--- a/Predicting California Housing Price.pptx
+++ b/Predicting California Housing Price.pptx
@@ -18,18 +18,16 @@
     <p:sldId id="270" r:id="rId12"/>
     <p:sldId id="272" r:id="rId13"/>
     <p:sldId id="282" r:id="rId14"/>
-    <p:sldId id="281" r:id="rId15"/>
-    <p:sldId id="259" r:id="rId16"/>
-    <p:sldId id="271" r:id="rId17"/>
-    <p:sldId id="284" r:id="rId18"/>
-    <p:sldId id="289" r:id="rId19"/>
-    <p:sldId id="286" r:id="rId20"/>
-    <p:sldId id="290" r:id="rId21"/>
-    <p:sldId id="273" r:id="rId22"/>
-    <p:sldId id="288" r:id="rId23"/>
-    <p:sldId id="279" r:id="rId24"/>
-    <p:sldId id="260" r:id="rId25"/>
-    <p:sldId id="261" r:id="rId26"/>
+    <p:sldId id="259" r:id="rId15"/>
+    <p:sldId id="289" r:id="rId16"/>
+    <p:sldId id="286" r:id="rId17"/>
+    <p:sldId id="290" r:id="rId18"/>
+    <p:sldId id="273" r:id="rId19"/>
+    <p:sldId id="271" r:id="rId20"/>
+    <p:sldId id="288" r:id="rId21"/>
+    <p:sldId id="279" r:id="rId22"/>
+    <p:sldId id="260" r:id="rId23"/>
+    <p:sldId id="261" r:id="rId24"/>
   </p:sldIdLst>
   <p:sldSz cx="12192000" cy="6858000"/>
   <p:notesSz cx="6858000" cy="9144000"/>
@@ -324,7 +322,7 @@
           <a:p>
             <a:fld id="{2F39407B-D318-4F68-90C9-B6C056DA206D}" type="datetimeFigureOut">
               <a:rPr lang="en-US" smtClean="0"/>
-              <a:t>5/31/2024</a:t>
+              <a:t>6/3/2024</a:t>
             </a:fld>
             <a:endParaRPr lang="en-US"/>
           </a:p>
@@ -662,7 +660,7 @@
           <a:p>
             <a:fld id="{2F39407B-D318-4F68-90C9-B6C056DA206D}" type="datetimeFigureOut">
               <a:rPr lang="en-US" smtClean="0"/>
-              <a:t>5/31/2024</a:t>
+              <a:t>6/3/2024</a:t>
             </a:fld>
             <a:endParaRPr lang="en-US"/>
           </a:p>
@@ -1063,7 +1061,7 @@
           <a:p>
             <a:fld id="{2F39407B-D318-4F68-90C9-B6C056DA206D}" type="datetimeFigureOut">
               <a:rPr lang="en-US" smtClean="0"/>
-              <a:t>5/31/2024</a:t>
+              <a:t>6/3/2024</a:t>
             </a:fld>
             <a:endParaRPr lang="en-US"/>
           </a:p>
@@ -1399,7 +1397,7 @@
           <a:p>
             <a:fld id="{2F39407B-D318-4F68-90C9-B6C056DA206D}" type="datetimeFigureOut">
               <a:rPr lang="en-US" smtClean="0"/>
-              <a:t>5/31/2024</a:t>
+              <a:t>6/3/2024</a:t>
             </a:fld>
             <a:endParaRPr lang="en-US"/>
           </a:p>
@@ -1719,7 +1717,7 @@
           <a:p>
             <a:fld id="{2F39407B-D318-4F68-90C9-B6C056DA206D}" type="datetimeFigureOut">
               <a:rPr lang="en-US" smtClean="0"/>
-              <a:t>5/31/2024</a:t>
+              <a:t>6/3/2024</a:t>
             </a:fld>
             <a:endParaRPr lang="en-US"/>
           </a:p>
@@ -2115,7 +2113,7 @@
           <a:p>
             <a:fld id="{2F39407B-D318-4F68-90C9-B6C056DA206D}" type="datetimeFigureOut">
               <a:rPr lang="en-US" smtClean="0"/>
-              <a:t>5/31/2024</a:t>
+              <a:t>6/3/2024</a:t>
             </a:fld>
             <a:endParaRPr lang="en-US"/>
           </a:p>
@@ -2372,7 +2370,7 @@
           <a:p>
             <a:fld id="{2F39407B-D318-4F68-90C9-B6C056DA206D}" type="datetimeFigureOut">
               <a:rPr lang="en-US" smtClean="0"/>
-              <a:t>5/31/2024</a:t>
+              <a:t>6/3/2024</a:t>
             </a:fld>
             <a:endParaRPr lang="en-US"/>
           </a:p>
@@ -2634,7 +2632,7 @@
           <a:p>
             <a:fld id="{2F39407B-D318-4F68-90C9-B6C056DA206D}" type="datetimeFigureOut">
               <a:rPr lang="en-US" smtClean="0"/>
-              <a:t>5/31/2024</a:t>
+              <a:t>6/3/2024</a:t>
             </a:fld>
             <a:endParaRPr lang="en-US"/>
           </a:p>
@@ -2896,7 +2894,7 @@
           <a:p>
             <a:fld id="{2F39407B-D318-4F68-90C9-B6C056DA206D}" type="datetimeFigureOut">
               <a:rPr lang="en-US" smtClean="0"/>
-              <a:t>5/31/2024</a:t>
+              <a:t>6/3/2024</a:t>
             </a:fld>
             <a:endParaRPr lang="en-US"/>
           </a:p>
@@ -3225,7 +3223,7 @@
           <a:p>
             <a:fld id="{2F39407B-D318-4F68-90C9-B6C056DA206D}" type="datetimeFigureOut">
               <a:rPr lang="en-US" smtClean="0"/>
-              <a:t>5/31/2024</a:t>
+              <a:t>6/3/2024</a:t>
             </a:fld>
             <a:endParaRPr lang="en-US"/>
           </a:p>
@@ -3548,7 +3546,7 @@
           <a:p>
             <a:fld id="{2F39407B-D318-4F68-90C9-B6C056DA206D}" type="datetimeFigureOut">
               <a:rPr lang="en-US" smtClean="0"/>
-              <a:t>5/31/2024</a:t>
+              <a:t>6/3/2024</a:t>
             </a:fld>
             <a:endParaRPr lang="en-US"/>
           </a:p>
@@ -4005,7 +4003,7 @@
           <a:p>
             <a:fld id="{2F39407B-D318-4F68-90C9-B6C056DA206D}" type="datetimeFigureOut">
               <a:rPr lang="en-US" smtClean="0"/>
-              <a:t>5/31/2024</a:t>
+              <a:t>6/3/2024</a:t>
             </a:fld>
             <a:endParaRPr lang="en-US"/>
           </a:p>
@@ -4210,7 +4208,7 @@
           <a:p>
             <a:fld id="{2F39407B-D318-4F68-90C9-B6C056DA206D}" type="datetimeFigureOut">
               <a:rPr lang="en-US" smtClean="0"/>
-              <a:t>5/31/2024</a:t>
+              <a:t>6/3/2024</a:t>
             </a:fld>
             <a:endParaRPr lang="en-US"/>
           </a:p>
@@ -4387,7 +4385,7 @@
           <a:p>
             <a:fld id="{2F39407B-D318-4F68-90C9-B6C056DA206D}" type="datetimeFigureOut">
               <a:rPr lang="en-US" smtClean="0"/>
-              <a:t>5/31/2024</a:t>
+              <a:t>6/3/2024</a:t>
             </a:fld>
             <a:endParaRPr lang="en-US"/>
           </a:p>
@@ -4720,7 +4718,7 @@
           <a:p>
             <a:fld id="{2F39407B-D318-4F68-90C9-B6C056DA206D}" type="datetimeFigureOut">
               <a:rPr lang="en-US" smtClean="0"/>
-              <a:t>5/31/2024</a:t>
+              <a:t>6/3/2024</a:t>
             </a:fld>
             <a:endParaRPr lang="en-US"/>
           </a:p>
@@ -5065,7 +5063,7 @@
           <a:p>
             <a:fld id="{2F39407B-D318-4F68-90C9-B6C056DA206D}" type="datetimeFigureOut">
               <a:rPr lang="en-US" smtClean="0"/>
-              <a:t>5/31/2024</a:t>
+              <a:t>6/3/2024</a:t>
             </a:fld>
             <a:endParaRPr lang="en-US"/>
           </a:p>
@@ -7182,7 +7180,7 @@
           <a:p>
             <a:fld id="{2F39407B-D318-4F68-90C9-B6C056DA206D}" type="datetimeFigureOut">
               <a:rPr lang="en-US" smtClean="0"/>
-              <a:t>5/31/2024</a:t>
+              <a:t>6/3/2024</a:t>
             </a:fld>
             <a:endParaRPr lang="en-US"/>
           </a:p>
@@ -7751,6 +7749,9 @@
           <a:bodyPr/>
           <a:lstStyle/>
           <a:p>
+            <a:endParaRPr lang="en-US"/>
+          </a:p>
+          <a:p>
             <a:r>
               <a:rPr lang="en-US"/>
               <a:t>Allen </a:t>
@@ -7919,12 +7920,20 @@
           </a:bodyPr>
           <a:lstStyle/>
           <a:p>
+            <a:pPr marL="285750" indent="-285750">
+              <a:buFont typeface="Wingdings" panose="05000000000000000000" pitchFamily="2" charset="2"/>
+              <a:buChar char="Ø"/>
+            </a:pPr>
             <a:r>
               <a:rPr lang="en-US" dirty="0"/>
               <a:t>population and households have positive linear correlation</a:t>
             </a:r>
           </a:p>
           <a:p>
+            <a:pPr marL="285750" indent="-285750">
+              <a:buFont typeface="Wingdings" panose="05000000000000000000" pitchFamily="2" charset="2"/>
+              <a:buChar char="Ø"/>
+            </a:pPr>
             <a:r>
               <a:rPr lang="en-US" dirty="0"/>
               <a:t>total rooms and bedrooms have positive linear correlation.</a:t>
@@ -8089,18 +8098,30 @@
           </a:bodyPr>
           <a:lstStyle/>
           <a:p>
+            <a:pPr marL="285750" indent="-285750">
+              <a:buFont typeface="Wingdings" panose="05000000000000000000" pitchFamily="2" charset="2"/>
+              <a:buChar char="Ø"/>
+            </a:pPr>
             <a:r>
               <a:rPr lang="en-US" dirty="0"/>
               <a:t>total rooms and population have positive linear correlation. </a:t>
             </a:r>
           </a:p>
           <a:p>
+            <a:pPr marL="285750" indent="-285750">
+              <a:buFont typeface="Wingdings" panose="05000000000000000000" pitchFamily="2" charset="2"/>
+              <a:buChar char="Ø"/>
+            </a:pPr>
             <a:r>
               <a:rPr lang="en-US" dirty="0"/>
               <a:t>median income and median house value have positive correlation.</a:t>
             </a:r>
           </a:p>
           <a:p>
+            <a:pPr marL="285750" indent="-285750">
+              <a:buFont typeface="Wingdings" panose="05000000000000000000" pitchFamily="2" charset="2"/>
+              <a:buChar char="Ø"/>
+            </a:pPr>
             <a:r>
               <a:rPr lang="en-US" dirty="0"/>
               <a:t>median house value seems to be artificially capped at 500,000 </a:t>
@@ -8252,7 +8273,7 @@
         <p:spPr>
           <a:xfrm>
             <a:off x="1076960" y="5283200"/>
-            <a:ext cx="9509760" cy="369332"/>
+            <a:ext cx="9509760" cy="646331"/>
           </a:xfrm>
           <a:prstGeom prst="rect">
             <a:avLst/>
@@ -8265,15 +8286,37 @@
           </a:bodyPr>
           <a:lstStyle/>
           <a:p>
+            <a:pPr marL="285750" indent="-285750">
+              <a:buFont typeface="Wingdings" panose="05000000000000000000" pitchFamily="2" charset="2"/>
+              <a:buChar char="Ø"/>
+            </a:pPr>
             <a:r>
               <a:rPr lang="en-US" dirty="0"/>
-              <a:t>It seems that latitude and longitude have no correlation with </a:t>
+              <a:t>latitude appears to have no correlation with </a:t>
             </a:r>
             <a:r>
               <a:rPr lang="en-US" dirty="0" err="1"/>
               <a:t>median_house_value</a:t>
             </a:r>
             <a:endParaRPr lang="en-US" dirty="0"/>
+          </a:p>
+          <a:p>
+            <a:pPr marL="285750" indent="-285750">
+              <a:buFont typeface="Wingdings" panose="05000000000000000000" pitchFamily="2" charset="2"/>
+              <a:buChar char="Ø"/>
+            </a:pPr>
+            <a:r>
+              <a:rPr lang="en-US" dirty="0"/>
+              <a:t>Longitude appears to have no correlation with </a:t>
+            </a:r>
+            <a:r>
+              <a:rPr lang="en-US" dirty="0" err="1"/>
+              <a:t>median_house_value</a:t>
+            </a:r>
+            <a:r>
+              <a:rPr lang="en-US" dirty="0"/>
+              <a:t> </a:t>
+            </a:r>
           </a:p>
         </p:txBody>
       </p:sp>
@@ -9886,388 +9929,6 @@
           <p:cNvPr id="2" name="Title 1">
             <a:extLst>
               <a:ext uri="{FF2B5EF4-FFF2-40B4-BE49-F238E27FC236}">
-                <a16:creationId xmlns:a16="http://schemas.microsoft.com/office/drawing/2014/main" id="{388B2E71-6D37-5F0F-E024-35B039495310}"/>
-              </a:ext>
-            </a:extLst>
-          </p:cNvPr>
-          <p:cNvSpPr>
-            <a:spLocks noGrp="1"/>
-          </p:cNvSpPr>
-          <p:nvPr>
-            <p:ph type="title"/>
-          </p:nvPr>
-        </p:nvSpPr>
-        <p:spPr/>
-        <p:txBody>
-          <a:bodyPr/>
-          <a:lstStyle/>
-          <a:p>
-            <a:r>
-              <a:rPr lang="en-US" dirty="0"/>
-              <a:t>Data Analysis </a:t>
-            </a:r>
-          </a:p>
-        </p:txBody>
-      </p:sp>
-      <p:pic>
-        <p:nvPicPr>
-          <p:cNvPr id="1026" name="Picture 2">
-            <a:extLst>
-              <a:ext uri="{FF2B5EF4-FFF2-40B4-BE49-F238E27FC236}">
-                <a16:creationId xmlns:a16="http://schemas.microsoft.com/office/drawing/2014/main" id="{CF831BB9-CDB7-96C7-BDB2-1AA88CF876B4}"/>
-              </a:ext>
-            </a:extLst>
-          </p:cNvPr>
-          <p:cNvPicPr>
-            <a:picLocks noGrp="1" noChangeAspect="1" noChangeArrowheads="1"/>
-          </p:cNvPicPr>
-          <p:nvPr>
-            <p:ph idx="1"/>
-          </p:nvPr>
-        </p:nvPicPr>
-        <p:blipFill>
-          <a:blip r:embed="rId2">
-            <a:extLst>
-              <a:ext uri="{28A0092B-C50C-407E-A947-70E740481C1C}">
-                <a14:useLocalDpi xmlns:a14="http://schemas.microsoft.com/office/drawing/2010/main" val="0"/>
-              </a:ext>
-            </a:extLst>
-          </a:blip>
-          <a:srcRect/>
-          <a:stretch>
-            <a:fillRect/>
-          </a:stretch>
-        </p:blipFill>
-        <p:spPr bwMode="auto">
-          <a:xfrm>
-            <a:off x="1318228" y="3212069"/>
-            <a:ext cx="7634420" cy="1260285"/>
-          </a:xfrm>
-          <a:prstGeom prst="rect">
-            <a:avLst/>
-          </a:prstGeom>
-          <a:noFill/>
-          <a:extLst>
-            <a:ext uri="{909E8E84-426E-40DD-AFC4-6F175D3DCCD1}">
-              <a14:hiddenFill xmlns:a14="http://schemas.microsoft.com/office/drawing/2010/main">
-                <a:solidFill>
-                  <a:srgbClr val="FFFFFF"/>
-                </a:solidFill>
-              </a14:hiddenFill>
-            </a:ext>
-          </a:extLst>
-        </p:spPr>
-      </p:pic>
-      <p:sp>
-        <p:nvSpPr>
-          <p:cNvPr id="4" name="Content Placeholder 2">
-            <a:extLst>
-              <a:ext uri="{FF2B5EF4-FFF2-40B4-BE49-F238E27FC236}">
-                <a16:creationId xmlns:a16="http://schemas.microsoft.com/office/drawing/2014/main" id="{684BDE8F-AE3A-058B-3204-6CD3BA5F6B8B}"/>
-              </a:ext>
-            </a:extLst>
-          </p:cNvPr>
-          <p:cNvSpPr txBox="1">
-            <a:spLocks/>
-          </p:cNvSpPr>
-          <p:nvPr/>
-        </p:nvSpPr>
-        <p:spPr>
-          <a:xfrm>
-            <a:off x="1318228" y="1853754"/>
-            <a:ext cx="10515600" cy="4351338"/>
-          </a:xfrm>
-          <a:prstGeom prst="rect">
-            <a:avLst/>
-          </a:prstGeom>
-        </p:spPr>
-        <p:txBody>
-          <a:bodyPr vert="horz" lIns="91440" tIns="45720" rIns="91440" bIns="45720" rtlCol="0">
-            <a:normAutofit/>
-          </a:bodyPr>
-          <a:lstStyle>
-            <a:lvl1pPr marL="228600" indent="-228600" algn="l" defTabSz="914400" rtl="0" eaLnBrk="1" latinLnBrk="0" hangingPunct="1">
-              <a:lnSpc>
-                <a:spcPct val="90000"/>
-              </a:lnSpc>
-              <a:spcBef>
-                <a:spcPts val="1000"/>
-              </a:spcBef>
-              <a:buFont typeface="Arial" panose="020B0604020202020204" pitchFamily="34" charset="0"/>
-              <a:buChar char="•"/>
-              <a:defRPr sz="2800" kern="1200">
-                <a:solidFill>
-                  <a:schemeClr val="tx1"/>
-                </a:solidFill>
-                <a:latin typeface="+mn-lt"/>
-                <a:ea typeface="+mn-ea"/>
-                <a:cs typeface="+mn-cs"/>
-              </a:defRPr>
-            </a:lvl1pPr>
-            <a:lvl2pPr marL="685800" indent="-228600" algn="l" defTabSz="914400" rtl="0" eaLnBrk="1" latinLnBrk="0" hangingPunct="1">
-              <a:lnSpc>
-                <a:spcPct val="90000"/>
-              </a:lnSpc>
-              <a:spcBef>
-                <a:spcPts val="500"/>
-              </a:spcBef>
-              <a:buFont typeface="Arial" panose="020B0604020202020204" pitchFamily="34" charset="0"/>
-              <a:buChar char="•"/>
-              <a:defRPr sz="2400" kern="1200">
-                <a:solidFill>
-                  <a:schemeClr val="tx1"/>
-                </a:solidFill>
-                <a:latin typeface="+mn-lt"/>
-                <a:ea typeface="+mn-ea"/>
-                <a:cs typeface="+mn-cs"/>
-              </a:defRPr>
-            </a:lvl2pPr>
-            <a:lvl3pPr marL="1143000" indent="-228600" algn="l" defTabSz="914400" rtl="0" eaLnBrk="1" latinLnBrk="0" hangingPunct="1">
-              <a:lnSpc>
-                <a:spcPct val="90000"/>
-              </a:lnSpc>
-              <a:spcBef>
-                <a:spcPts val="500"/>
-              </a:spcBef>
-              <a:buFont typeface="Arial" panose="020B0604020202020204" pitchFamily="34" charset="0"/>
-              <a:buChar char="•"/>
-              <a:defRPr sz="2000" kern="1200">
-                <a:solidFill>
-                  <a:schemeClr val="tx1"/>
-                </a:solidFill>
-                <a:latin typeface="+mn-lt"/>
-                <a:ea typeface="+mn-ea"/>
-                <a:cs typeface="+mn-cs"/>
-              </a:defRPr>
-            </a:lvl3pPr>
-            <a:lvl4pPr marL="1600200" indent="-228600" algn="l" defTabSz="914400" rtl="0" eaLnBrk="1" latinLnBrk="0" hangingPunct="1">
-              <a:lnSpc>
-                <a:spcPct val="90000"/>
-              </a:lnSpc>
-              <a:spcBef>
-                <a:spcPts val="500"/>
-              </a:spcBef>
-              <a:buFont typeface="Arial" panose="020B0604020202020204" pitchFamily="34" charset="0"/>
-              <a:buChar char="•"/>
-              <a:defRPr sz="1800" kern="1200">
-                <a:solidFill>
-                  <a:schemeClr val="tx1"/>
-                </a:solidFill>
-                <a:latin typeface="+mn-lt"/>
-                <a:ea typeface="+mn-ea"/>
-                <a:cs typeface="+mn-cs"/>
-              </a:defRPr>
-            </a:lvl4pPr>
-            <a:lvl5pPr marL="2057400" indent="-228600" algn="l" defTabSz="914400" rtl="0" eaLnBrk="1" latinLnBrk="0" hangingPunct="1">
-              <a:lnSpc>
-                <a:spcPct val="90000"/>
-              </a:lnSpc>
-              <a:spcBef>
-                <a:spcPts val="500"/>
-              </a:spcBef>
-              <a:buFont typeface="Arial" panose="020B0604020202020204" pitchFamily="34" charset="0"/>
-              <a:buChar char="•"/>
-              <a:defRPr sz="1800" kern="1200">
-                <a:solidFill>
-                  <a:schemeClr val="tx1"/>
-                </a:solidFill>
-                <a:latin typeface="+mn-lt"/>
-                <a:ea typeface="+mn-ea"/>
-                <a:cs typeface="+mn-cs"/>
-              </a:defRPr>
-            </a:lvl5pPr>
-            <a:lvl6pPr marL="2514600" indent="-228600" algn="l" defTabSz="914400" rtl="0" eaLnBrk="1" latinLnBrk="0" hangingPunct="1">
-              <a:lnSpc>
-                <a:spcPct val="90000"/>
-              </a:lnSpc>
-              <a:spcBef>
-                <a:spcPts val="500"/>
-              </a:spcBef>
-              <a:buFont typeface="Arial" panose="020B0604020202020204" pitchFamily="34" charset="0"/>
-              <a:buChar char="•"/>
-              <a:defRPr sz="1800" kern="1200">
-                <a:solidFill>
-                  <a:schemeClr val="tx1"/>
-                </a:solidFill>
-                <a:latin typeface="+mn-lt"/>
-                <a:ea typeface="+mn-ea"/>
-                <a:cs typeface="+mn-cs"/>
-              </a:defRPr>
-            </a:lvl6pPr>
-            <a:lvl7pPr marL="2971800" indent="-228600" algn="l" defTabSz="914400" rtl="0" eaLnBrk="1" latinLnBrk="0" hangingPunct="1">
-              <a:lnSpc>
-                <a:spcPct val="90000"/>
-              </a:lnSpc>
-              <a:spcBef>
-                <a:spcPts val="500"/>
-              </a:spcBef>
-              <a:buFont typeface="Arial" panose="020B0604020202020204" pitchFamily="34" charset="0"/>
-              <a:buChar char="•"/>
-              <a:defRPr sz="1800" kern="1200">
-                <a:solidFill>
-                  <a:schemeClr val="tx1"/>
-                </a:solidFill>
-                <a:latin typeface="+mn-lt"/>
-                <a:ea typeface="+mn-ea"/>
-                <a:cs typeface="+mn-cs"/>
-              </a:defRPr>
-            </a:lvl7pPr>
-            <a:lvl8pPr marL="3429000" indent="-228600" algn="l" defTabSz="914400" rtl="0" eaLnBrk="1" latinLnBrk="0" hangingPunct="1">
-              <a:lnSpc>
-                <a:spcPct val="90000"/>
-              </a:lnSpc>
-              <a:spcBef>
-                <a:spcPts val="500"/>
-              </a:spcBef>
-              <a:buFont typeface="Arial" panose="020B0604020202020204" pitchFamily="34" charset="0"/>
-              <a:buChar char="•"/>
-              <a:defRPr sz="1800" kern="1200">
-                <a:solidFill>
-                  <a:schemeClr val="tx1"/>
-                </a:solidFill>
-                <a:latin typeface="+mn-lt"/>
-                <a:ea typeface="+mn-ea"/>
-                <a:cs typeface="+mn-cs"/>
-              </a:defRPr>
-            </a:lvl8pPr>
-            <a:lvl9pPr marL="3886200" indent="-228600" algn="l" defTabSz="914400" rtl="0" eaLnBrk="1" latinLnBrk="0" hangingPunct="1">
-              <a:lnSpc>
-                <a:spcPct val="90000"/>
-              </a:lnSpc>
-              <a:spcBef>
-                <a:spcPts val="500"/>
-              </a:spcBef>
-              <a:buFont typeface="Arial" panose="020B0604020202020204" pitchFamily="34" charset="0"/>
-              <a:buChar char="•"/>
-              <a:defRPr sz="1800" kern="1200">
-                <a:solidFill>
-                  <a:schemeClr val="tx1"/>
-                </a:solidFill>
-                <a:latin typeface="+mn-lt"/>
-                <a:ea typeface="+mn-ea"/>
-                <a:cs typeface="+mn-cs"/>
-              </a:defRPr>
-            </a:lvl9pPr>
-          </a:lstStyle>
-          <a:p>
-            <a:r>
-              <a:rPr lang="en-US" dirty="0"/>
-              <a:t>Linear Regression </a:t>
-            </a:r>
-            <a:r>
-              <a:rPr lang="en-US" b="0" i="0" dirty="0">
-                <a:solidFill>
-                  <a:srgbClr val="000000"/>
-                </a:solidFill>
-                <a:effectLst/>
-                <a:latin typeface="Helvetica Neue"/>
-              </a:rPr>
-              <a:t>regularization terms</a:t>
-            </a:r>
-            <a:endParaRPr lang="en-US" b="0" i="0" dirty="0">
-              <a:solidFill>
-                <a:srgbClr val="000000"/>
-              </a:solidFill>
-              <a:effectLst/>
-            </a:endParaRPr>
-          </a:p>
-          <a:p>
-            <a:r>
-              <a:rPr lang="en-US" b="0" i="0" dirty="0" err="1">
-                <a:solidFill>
-                  <a:srgbClr val="000000"/>
-                </a:solidFill>
-                <a:effectLst/>
-              </a:rPr>
-              <a:t>ElasticNetParam</a:t>
-            </a:r>
-            <a:r>
-              <a:rPr lang="en-US" b="0" i="0" dirty="0">
-                <a:solidFill>
-                  <a:srgbClr val="000000"/>
-                </a:solidFill>
-                <a:effectLst/>
-              </a:rPr>
-              <a:t> corresponds to α </a:t>
-            </a:r>
-          </a:p>
-          <a:p>
-            <a:r>
-              <a:rPr lang="en-US" b="0" i="0" dirty="0">
-                <a:solidFill>
-                  <a:srgbClr val="000000"/>
-                </a:solidFill>
-                <a:effectLst/>
-              </a:rPr>
-              <a:t>regParam corresponds to λ</a:t>
-            </a:r>
-          </a:p>
-          <a:p>
-            <a:endParaRPr lang="en-US" dirty="0">
-              <a:solidFill>
-                <a:srgbClr val="000000"/>
-              </a:solidFill>
-            </a:endParaRPr>
-          </a:p>
-          <a:p>
-            <a:endParaRPr lang="en-US" dirty="0">
-              <a:solidFill>
-                <a:srgbClr val="000000"/>
-              </a:solidFill>
-            </a:endParaRPr>
-          </a:p>
-          <a:p>
-            <a:pPr marL="0" indent="0">
-              <a:buNone/>
-            </a:pPr>
-            <a:endParaRPr lang="en-US" dirty="0"/>
-          </a:p>
-          <a:p>
-            <a:endParaRPr lang="en-US" dirty="0"/>
-          </a:p>
-          <a:p>
-            <a:endParaRPr lang="en-US" dirty="0"/>
-          </a:p>
-          <a:p>
-            <a:endParaRPr lang="en-US" dirty="0"/>
-          </a:p>
-        </p:txBody>
-      </p:sp>
-    </p:spTree>
-    <p:extLst>
-      <p:ext uri="{BB962C8B-B14F-4D97-AF65-F5344CB8AC3E}">
-        <p14:creationId xmlns:p14="http://schemas.microsoft.com/office/powerpoint/2010/main" val="1882571249"/>
-      </p:ext>
-    </p:extLst>
-  </p:cSld>
-  <p:clrMapOvr>
-    <a:masterClrMapping/>
-  </p:clrMapOvr>
-</p:sld>
-</file>
-
-<file path=ppt/slides/slide15.xml><?xml version="1.0" encoding="utf-8"?>
-<p:sld xmlns:a="http://schemas.openxmlformats.org/drawingml/2006/main" xmlns:r="http://schemas.openxmlformats.org/officeDocument/2006/relationships" xmlns:p="http://schemas.openxmlformats.org/presentationml/2006/main">
-  <p:cSld>
-    <p:spTree>
-      <p:nvGrpSpPr>
-        <p:cNvPr id="1" name=""/>
-        <p:cNvGrpSpPr/>
-        <p:nvPr/>
-      </p:nvGrpSpPr>
-      <p:grpSpPr>
-        <a:xfrm>
-          <a:off x="0" y="0"/>
-          <a:ext cx="0" cy="0"/>
-          <a:chOff x="0" y="0"/>
-          <a:chExt cx="0" cy="0"/>
-        </a:xfrm>
-      </p:grpSpPr>
-      <p:sp>
-        <p:nvSpPr>
-          <p:cNvPr id="2" name="Title 1">
-            <a:extLst>
-              <a:ext uri="{FF2B5EF4-FFF2-40B4-BE49-F238E27FC236}">
                 <a16:creationId xmlns:a16="http://schemas.microsoft.com/office/drawing/2014/main" id="{02988E20-4D66-40C6-A584-AF03BF83D748}"/>
               </a:ext>
             </a:extLst>
@@ -10293,14 +9954,14 @@
           <a:p>
             <a:r>
               <a:rPr lang="en-US" dirty="0"/>
-              <a:t>Model 1:</a:t>
+              <a:t>Model 1: Linear Regression</a:t>
             </a:r>
             <a:br>
               <a:rPr lang="en-US" dirty="0"/>
             </a:br>
             <a:r>
               <a:rPr lang="en-US" dirty="0"/>
-              <a:t>Use all 12 Features</a:t>
+              <a:t>12 Features</a:t>
             </a:r>
           </a:p>
         </p:txBody>
@@ -10334,20 +9995,14 @@
           <a:lstStyle/>
           <a:p>
             <a:r>
-              <a:rPr lang="en-US" dirty="0"/>
-              <a:t>Linear Regression</a:t>
-            </a:r>
-          </a:p>
-          <a:p>
-            <a:r>
               <a:rPr lang="pt-BR" dirty="0"/>
-              <a:t>features = 12, regParam=0.01, elasticNetParam=1.00</a:t>
+              <a:t>regParam=0.01, elasticNetParam=1.00</a:t>
             </a:r>
           </a:p>
           <a:p>
             <a:r>
               <a:rPr lang="pt-BR" dirty="0"/>
-              <a:t>r2 = 0.63, rootMeanSquareError = 67,548, meanAbsoluteError = 49,389 </a:t>
+              <a:t>r2 = 0.63, rootMeanSquareError = 67,548</a:t>
             </a:r>
           </a:p>
         </p:txBody>
@@ -10797,7 +10452,7 @@
 </p:sld>
 </file>
 
-<file path=ppt/slides/slide16.xml><?xml version="1.0" encoding="utf-8"?>
+<file path=ppt/slides/slide15.xml><?xml version="1.0" encoding="utf-8"?>
 <p:sld xmlns:a="http://schemas.openxmlformats.org/drawingml/2006/main" xmlns:r="http://schemas.openxmlformats.org/officeDocument/2006/relationships" xmlns:p="http://schemas.openxmlformats.org/presentationml/2006/main">
   <p:cSld>
     <p:spTree>
@@ -10819,7 +10474,7 @@
           <p:cNvPr id="2" name="Title 1">
             <a:extLst>
               <a:ext uri="{FF2B5EF4-FFF2-40B4-BE49-F238E27FC236}">
-                <a16:creationId xmlns:a16="http://schemas.microsoft.com/office/drawing/2014/main" id="{FD191F6B-F789-9E84-7739-F5D8E1C65848}"/>
+                <a16:creationId xmlns:a16="http://schemas.microsoft.com/office/drawing/2014/main" id="{DC74FF1A-3201-DD3F-BC9C-2A79A284A11D}"/>
               </a:ext>
             </a:extLst>
           </p:cNvPr>
@@ -10832,93 +10487,31 @@
         </p:nvSpPr>
         <p:spPr/>
         <p:txBody>
-          <a:bodyPr/>
+          <a:bodyPr>
+            <a:normAutofit/>
+          </a:bodyPr>
           <a:lstStyle/>
           <a:p>
             <a:r>
               <a:rPr lang="en-US" dirty="0"/>
-              <a:t>Model 2:</a:t>
+              <a:t>Tune Hyperparameters:</a:t>
             </a:r>
             <a:br>
+              <a:rPr lang="pt-BR" dirty="0"/>
+            </a:br>
+            <a:r>
               <a:rPr lang="en-US" dirty="0"/>
-            </a:br>
-            <a:r>
-              <a:rPr lang="en-US" dirty="0"/>
-              <a:t>Use all 12 features</a:t>
-            </a:r>
-          </a:p>
-        </p:txBody>
-      </p:sp>
-      <p:sp>
-        <p:nvSpPr>
-          <p:cNvPr id="3" name="Content Placeholder 2">
-            <a:extLst>
-              <a:ext uri="{FF2B5EF4-FFF2-40B4-BE49-F238E27FC236}">
-                <a16:creationId xmlns:a16="http://schemas.microsoft.com/office/drawing/2014/main" id="{D6FDE70B-7FB7-47EC-AB35-B3E5B144146A}"/>
-              </a:ext>
-            </a:extLst>
-          </p:cNvPr>
-          <p:cNvSpPr>
-            <a:spLocks noGrp="1"/>
-          </p:cNvSpPr>
-          <p:nvPr>
-            <p:ph idx="1"/>
-          </p:nvPr>
-        </p:nvSpPr>
-        <p:spPr/>
-        <p:txBody>
-          <a:bodyPr/>
-          <a:lstStyle/>
-          <a:p>
-            <a:r>
-              <a:rPr lang="en-US" dirty="0"/>
-              <a:t>Gradient Boosted Trees Regression </a:t>
-            </a:r>
-          </a:p>
-          <a:p>
-            <a:r>
-              <a:rPr lang="en-US" dirty="0"/>
-              <a:t>features = 12, </a:t>
-            </a:r>
-            <a:r>
-              <a:rPr lang="en-US" dirty="0" err="1"/>
-              <a:t>minInstancesPerNode</a:t>
-            </a:r>
-            <a:r>
-              <a:rPr lang="en-US" dirty="0"/>
-              <a:t>=10, </a:t>
-            </a:r>
-            <a:r>
-              <a:rPr lang="en-US" dirty="0" err="1"/>
-              <a:t>minInfoGain</a:t>
-            </a:r>
-            <a:r>
-              <a:rPr lang="en-US" dirty="0"/>
-              <a:t>=0.1</a:t>
-            </a:r>
-          </a:p>
-          <a:p>
-            <a:r>
-              <a:rPr lang="en-US" dirty="0"/>
-              <a:t>r2 = 0.75,  </a:t>
-            </a:r>
-            <a:r>
-              <a:rPr lang="en-US" dirty="0" err="1"/>
-              <a:t>rootMeanSquareError</a:t>
-            </a:r>
-            <a:r>
-              <a:rPr lang="en-US" dirty="0"/>
-              <a:t> = 55,085</a:t>
+              <a:t> Search for Top Features</a:t>
             </a:r>
           </a:p>
         </p:txBody>
       </p:sp>
       <p:graphicFrame>
         <p:nvGraphicFramePr>
-          <p:cNvPr id="4" name="Table 3">
+          <p:cNvPr id="5" name="Table 7">
             <a:extLst>
               <a:ext uri="{FF2B5EF4-FFF2-40B4-BE49-F238E27FC236}">
-                <a16:creationId xmlns:a16="http://schemas.microsoft.com/office/drawing/2014/main" id="{64FBB0E7-B4BB-830C-76D6-B665E237526E}"/>
+                <a16:creationId xmlns:a16="http://schemas.microsoft.com/office/drawing/2014/main" id="{D0A5EB97-31A5-077F-D530-37F00BE56859}"/>
               </a:ext>
             </a:extLst>
           </p:cNvPr>
@@ -10926,16 +10519,17 @@
             <a:graphicFrameLocks noGrp="1"/>
           </p:cNvGraphicFramePr>
           <p:nvPr>
+            <p:ph idx="1"/>
             <p:extLst>
               <p:ext uri="{D42A27DB-BD31-4B8C-83A1-F6EECF244321}">
-                <p14:modId xmlns:p14="http://schemas.microsoft.com/office/powerpoint/2010/main" val="4262280443"/>
+                <p14:modId xmlns:p14="http://schemas.microsoft.com/office/powerpoint/2010/main" val="1976022514"/>
               </p:ext>
             </p:extLst>
           </p:nvPr>
         </p:nvGraphicFramePr>
         <p:xfrm>
-          <a:off x="2589212" y="3686182"/>
-          <a:ext cx="8127999" cy="2225040"/>
+          <a:off x="1960700" y="2177107"/>
+          <a:ext cx="8270599" cy="2503785"/>
         </p:xfrm>
         <a:graphic>
           <a:graphicData uri="http://schemas.openxmlformats.org/drawingml/2006/table">
@@ -10944,69 +10538,89 @@
                 <a:tableStyleId>{5C22544A-7EE6-4342-B048-85BDC9FD1C3A}</a:tableStyleId>
               </a:tblPr>
               <a:tblGrid>
-                <a:gridCol w="2709333">
+                <a:gridCol w="2724985">
                   <a:extLst>
                     <a:ext uri="{9D8B030D-6E8A-4147-A177-3AD203B41FA5}">
-                      <a16:colId xmlns:a16="http://schemas.microsoft.com/office/drawing/2014/main" val="2863262068"/>
+                      <a16:colId xmlns:a16="http://schemas.microsoft.com/office/drawing/2014/main" val="2735835459"/>
                     </a:ext>
                   </a:extLst>
                 </a:gridCol>
                 <a:gridCol w="2709333">
                   <a:extLst>
                     <a:ext uri="{9D8B030D-6E8A-4147-A177-3AD203B41FA5}">
-                      <a16:colId xmlns:a16="http://schemas.microsoft.com/office/drawing/2014/main" val="414957515"/>
+                      <a16:colId xmlns:a16="http://schemas.microsoft.com/office/drawing/2014/main" val="1331581757"/>
                     </a:ext>
                   </a:extLst>
                 </a:gridCol>
-                <a:gridCol w="2709333">
+                <a:gridCol w="2836281">
                   <a:extLst>
                     <a:ext uri="{9D8B030D-6E8A-4147-A177-3AD203B41FA5}">
-                      <a16:colId xmlns:a16="http://schemas.microsoft.com/office/drawing/2014/main" val="1019860192"/>
+                      <a16:colId xmlns:a16="http://schemas.microsoft.com/office/drawing/2014/main" val="3027414099"/>
                     </a:ext>
                   </a:extLst>
                 </a:gridCol>
               </a:tblGrid>
-              <a:tr h="370840">
-                <a:tc>
-                  <a:txBody>
-                    <a:bodyPr/>
-                    <a:lstStyle/>
-                    <a:p>
-                      <a:endParaRPr lang="en-US"/>
-                    </a:p>
-                  </a:txBody>
-                  <a:tcPr/>
-                </a:tc>
-                <a:tc>
-                  <a:txBody>
-                    <a:bodyPr/>
-                    <a:lstStyle/>
-                    <a:p>
-                      <a:r>
-                        <a:rPr lang="en-US" dirty="0" err="1"/>
-                        <a:t>median_house_value</a:t>
-                      </a:r>
-                      <a:endParaRPr lang="en-US" dirty="0"/>
-                    </a:p>
-                  </a:txBody>
-                  <a:tcPr/>
-                </a:tc>
-                <a:tc>
-                  <a:txBody>
-                    <a:bodyPr/>
-                    <a:lstStyle/>
-                    <a:p>
-                      <a:r>
-                        <a:rPr lang="en-US" dirty="0"/>
-                        <a:t>prediction</a:t>
-                      </a:r>
+              <a:tr h="275631">
+                <a:tc>
+                  <a:txBody>
+                    <a:bodyPr/>
+                    <a:lstStyle/>
+                    <a:p>
+                      <a:pPr marL="0" marR="0" lvl="0" indent="0" algn="l" defTabSz="914400" rtl="0" eaLnBrk="1" fontAlgn="auto" latinLnBrk="0" hangingPunct="1">
+                        <a:lnSpc>
+                          <a:spcPct val="100000"/>
+                        </a:lnSpc>
+                        <a:spcBef>
+                          <a:spcPts val="0"/>
+                        </a:spcBef>
+                        <a:spcAft>
+                          <a:spcPts val="0"/>
+                        </a:spcAft>
+                        <a:buClrTx/>
+                        <a:buSzTx/>
+                        <a:buFontTx/>
+                        <a:buNone/>
+                        <a:tabLst/>
+                        <a:defRPr/>
+                      </a:pPr>
+                      <a:r>
+                        <a:rPr lang="pt-BR" sz="1400" dirty="0"/>
+                        <a:t>numTopFeatures </a:t>
+                      </a:r>
+                    </a:p>
+                  </a:txBody>
+                  <a:tcPr/>
+                </a:tc>
+                <a:tc>
+                  <a:txBody>
+                    <a:bodyPr/>
+                    <a:lstStyle/>
+                    <a:p>
+                      <a:r>
+                        <a:rPr lang="en-US" sz="1400" dirty="0"/>
+                        <a:t>r2</a:t>
+                      </a:r>
+                    </a:p>
+                  </a:txBody>
+                  <a:tcPr/>
+                </a:tc>
+                <a:tc>
+                  <a:txBody>
+                    <a:bodyPr/>
+                    <a:lstStyle/>
+                    <a:p>
+                      <a:r>
+                        <a:rPr lang="en-US" sz="1400" dirty="0" err="1"/>
+                        <a:t>rootMeanSquaredError</a:t>
+                      </a:r>
+                      <a:endParaRPr lang="en-US" sz="1400" dirty="0"/>
                     </a:p>
                   </a:txBody>
                   <a:tcPr/>
                 </a:tc>
                 <a:extLst>
                   <a:ext uri="{0D108BD9-81ED-4DB2-BD59-A6C34878D82A}">
-                    <a16:rowId xmlns:a16="http://schemas.microsoft.com/office/drawing/2014/main" val="1930068132"/>
+                    <a16:rowId xmlns:a16="http://schemas.microsoft.com/office/drawing/2014/main" val="2064336715"/>
                   </a:ext>
                 </a:extLst>
               </a:tr>
@@ -11016,35 +10630,53 @@
                     <a:bodyPr/>
                     <a:lstStyle/>
                     <a:p>
-                      <a:r>
-                        <a:rPr lang="en-US" dirty="0"/>
-                        <a:t>1</a:t>
-                      </a:r>
-                    </a:p>
-                  </a:txBody>
-                  <a:tcPr/>
-                </a:tc>
-                <a:tc>
-                  <a:txBody>
-                    <a:bodyPr/>
-                    <a:lstStyle/>
-                    <a:p>
-                      <a:r>
-                        <a:rPr lang="en-US" dirty="0"/>
-                        <a:t>94,600</a:t>
-                      </a:r>
-                    </a:p>
-                  </a:txBody>
-                  <a:tcPr/>
-                </a:tc>
-                <a:tc>
-                  <a:txBody>
-                    <a:bodyPr/>
-                    <a:lstStyle/>
-                    <a:p>
-                      <a:r>
-                        <a:rPr lang="en-US" dirty="0"/>
-                        <a:t>102,221</a:t>
+                      <a:pPr marL="0" marR="0" lvl="0" indent="0" algn="l" defTabSz="914400" rtl="0" eaLnBrk="1" fontAlgn="auto" latinLnBrk="0" hangingPunct="1">
+                        <a:lnSpc>
+                          <a:spcPct val="100000"/>
+                        </a:lnSpc>
+                        <a:spcBef>
+                          <a:spcPts val="0"/>
+                        </a:spcBef>
+                        <a:spcAft>
+                          <a:spcPts val="0"/>
+                        </a:spcAft>
+                        <a:buClrTx/>
+                        <a:buSzTx/>
+                        <a:buFontTx/>
+                        <a:buNone/>
+                        <a:tabLst/>
+                        <a:defRPr/>
+                      </a:pPr>
+                      <a:r>
+                        <a:rPr lang="pt-BR" sz="1400" baseline="0" dirty="0"/>
+                        <a:t>12</a:t>
+                      </a:r>
+                    </a:p>
+                  </a:txBody>
+                  <a:tcPr/>
+                </a:tc>
+                <a:tc>
+                  <a:txBody>
+                    <a:bodyPr/>
+                    <a:lstStyle/>
+                    <a:p>
+                      <a:r>
+                        <a:rPr lang="pt-BR" sz="1400" dirty="0"/>
+                        <a:t>0.63</a:t>
+                      </a:r>
+                      <a:endParaRPr lang="en-US" sz="1400" baseline="0" dirty="0"/>
+                    </a:p>
+                  </a:txBody>
+                  <a:tcPr/>
+                </a:tc>
+                <a:tc>
+                  <a:txBody>
+                    <a:bodyPr/>
+                    <a:lstStyle/>
+                    <a:p>
+                      <a:r>
+                        <a:rPr lang="en-US" sz="1400" baseline="0" dirty="0"/>
+                        <a:t>67,548</a:t>
                       </a:r>
                     </a:p>
                   </a:txBody>
@@ -11052,7 +10684,7 @@
                 </a:tc>
                 <a:extLst>
                   <a:ext uri="{0D108BD9-81ED-4DB2-BD59-A6C34878D82A}">
-                    <a16:rowId xmlns:a16="http://schemas.microsoft.com/office/drawing/2014/main" val="2668402015"/>
+                    <a16:rowId xmlns:a16="http://schemas.microsoft.com/office/drawing/2014/main" val="4281266039"/>
                   </a:ext>
                 </a:extLst>
               </a:tr>
@@ -11062,35 +10694,52 @@
                     <a:bodyPr/>
                     <a:lstStyle/>
                     <a:p>
-                      <a:r>
-                        <a:rPr lang="en-US" dirty="0"/>
-                        <a:t>2</a:t>
-                      </a:r>
-                    </a:p>
-                  </a:txBody>
-                  <a:tcPr/>
-                </a:tc>
-                <a:tc>
-                  <a:txBody>
-                    <a:bodyPr/>
-                    <a:lstStyle/>
-                    <a:p>
-                      <a:r>
-                        <a:rPr lang="en-US" dirty="0"/>
-                        <a:t>85,800</a:t>
-                      </a:r>
-                    </a:p>
-                  </a:txBody>
-                  <a:tcPr/>
-                </a:tc>
-                <a:tc>
-                  <a:txBody>
-                    <a:bodyPr/>
-                    <a:lstStyle/>
-                    <a:p>
-                      <a:r>
-                        <a:rPr lang="en-US" dirty="0"/>
-                        <a:t>98,334</a:t>
+                      <a:pPr marL="0" marR="0" lvl="0" indent="0" algn="l" defTabSz="914400" rtl="0" eaLnBrk="1" fontAlgn="auto" latinLnBrk="0" hangingPunct="1">
+                        <a:lnSpc>
+                          <a:spcPct val="100000"/>
+                        </a:lnSpc>
+                        <a:spcBef>
+                          <a:spcPts val="0"/>
+                        </a:spcBef>
+                        <a:spcAft>
+                          <a:spcPts val="0"/>
+                        </a:spcAft>
+                        <a:buClrTx/>
+                        <a:buSzTx/>
+                        <a:buFontTx/>
+                        <a:buNone/>
+                        <a:tabLst/>
+                        <a:defRPr/>
+                      </a:pPr>
+                      <a:r>
+                        <a:rPr lang="pt-BR" sz="1400" baseline="0" dirty="0"/>
+                        <a:t>10</a:t>
+                      </a:r>
+                    </a:p>
+                  </a:txBody>
+                  <a:tcPr/>
+                </a:tc>
+                <a:tc>
+                  <a:txBody>
+                    <a:bodyPr/>
+                    <a:lstStyle/>
+                    <a:p>
+                      <a:r>
+                        <a:rPr lang="en-US" sz="1400" baseline="0" dirty="0"/>
+                        <a:t>0.59</a:t>
+                      </a:r>
+                    </a:p>
+                  </a:txBody>
+                  <a:tcPr/>
+                </a:tc>
+                <a:tc>
+                  <a:txBody>
+                    <a:bodyPr/>
+                    <a:lstStyle/>
+                    <a:p>
+                      <a:r>
+                        <a:rPr lang="en-US" sz="1400" baseline="0" dirty="0"/>
+                        <a:t>70,673</a:t>
                       </a:r>
                     </a:p>
                   </a:txBody>
@@ -11098,7 +10747,7 @@
                 </a:tc>
                 <a:extLst>
                   <a:ext uri="{0D108BD9-81ED-4DB2-BD59-A6C34878D82A}">
-                    <a16:rowId xmlns:a16="http://schemas.microsoft.com/office/drawing/2014/main" val="2049508619"/>
+                    <a16:rowId xmlns:a16="http://schemas.microsoft.com/office/drawing/2014/main" val="4193087041"/>
                   </a:ext>
                 </a:extLst>
               </a:tr>
@@ -11108,35 +10757,52 @@
                     <a:bodyPr/>
                     <a:lstStyle/>
                     <a:p>
-                      <a:r>
-                        <a:rPr lang="en-US" dirty="0"/>
-                        <a:t>3</a:t>
-                      </a:r>
-                    </a:p>
-                  </a:txBody>
-                  <a:tcPr/>
-                </a:tc>
-                <a:tc>
-                  <a:txBody>
-                    <a:bodyPr/>
-                    <a:lstStyle/>
-                    <a:p>
-                      <a:r>
-                        <a:rPr lang="en-US" dirty="0"/>
-                        <a:t>103,600</a:t>
-                      </a:r>
-                    </a:p>
-                  </a:txBody>
-                  <a:tcPr/>
-                </a:tc>
-                <a:tc>
-                  <a:txBody>
-                    <a:bodyPr/>
-                    <a:lstStyle/>
-                    <a:p>
-                      <a:r>
-                        <a:rPr lang="en-US" dirty="0"/>
-                        <a:t>118,546</a:t>
+                      <a:pPr marL="0" marR="0" lvl="0" indent="0" algn="l" defTabSz="914400" rtl="0" eaLnBrk="1" fontAlgn="auto" latinLnBrk="0" hangingPunct="1">
+                        <a:lnSpc>
+                          <a:spcPct val="100000"/>
+                        </a:lnSpc>
+                        <a:spcBef>
+                          <a:spcPts val="0"/>
+                        </a:spcBef>
+                        <a:spcAft>
+                          <a:spcPts val="0"/>
+                        </a:spcAft>
+                        <a:buClrTx/>
+                        <a:buSzTx/>
+                        <a:buFontTx/>
+                        <a:buNone/>
+                        <a:tabLst/>
+                        <a:defRPr/>
+                      </a:pPr>
+                      <a:r>
+                        <a:rPr lang="pt-BR" sz="1400" baseline="0" dirty="0"/>
+                        <a:t>9</a:t>
+                      </a:r>
+                    </a:p>
+                  </a:txBody>
+                  <a:tcPr/>
+                </a:tc>
+                <a:tc>
+                  <a:txBody>
+                    <a:bodyPr/>
+                    <a:lstStyle/>
+                    <a:p>
+                      <a:r>
+                        <a:rPr lang="en-US" sz="1400" baseline="0" dirty="0"/>
+                        <a:t>0.59</a:t>
+                      </a:r>
+                    </a:p>
+                  </a:txBody>
+                  <a:tcPr/>
+                </a:tc>
+                <a:tc>
+                  <a:txBody>
+                    <a:bodyPr/>
+                    <a:lstStyle/>
+                    <a:p>
+                      <a:r>
+                        <a:rPr lang="en-US" sz="1400" baseline="0" dirty="0"/>
+                        <a:t>70,812</a:t>
                       </a:r>
                     </a:p>
                   </a:txBody>
@@ -11144,7 +10810,7 @@
                 </a:tc>
                 <a:extLst>
                   <a:ext uri="{0D108BD9-81ED-4DB2-BD59-A6C34878D82A}">
-                    <a16:rowId xmlns:a16="http://schemas.microsoft.com/office/drawing/2014/main" val="3576309454"/>
+                    <a16:rowId xmlns:a16="http://schemas.microsoft.com/office/drawing/2014/main" val="698778015"/>
                   </a:ext>
                 </a:extLst>
               </a:tr>
@@ -11155,34 +10821,34 @@
                     <a:lstStyle/>
                     <a:p>
                       <a:r>
-                        <a:rPr lang="en-US" dirty="0"/>
-                        <a:t>4</a:t>
-                      </a:r>
-                    </a:p>
-                  </a:txBody>
-                  <a:tcPr/>
-                </a:tc>
-                <a:tc>
-                  <a:txBody>
-                    <a:bodyPr/>
-                    <a:lstStyle/>
-                    <a:p>
-                      <a:r>
-                        <a:rPr lang="en-US" dirty="0"/>
-                        <a:t>111,400</a:t>
-                      </a:r>
-                    </a:p>
-                  </a:txBody>
-                  <a:tcPr/>
-                </a:tc>
-                <a:tc>
-                  <a:txBody>
-                    <a:bodyPr/>
-                    <a:lstStyle/>
-                    <a:p>
-                      <a:r>
-                        <a:rPr lang="en-US" dirty="0"/>
-                        <a:t>87,536</a:t>
+                        <a:rPr lang="en-US" sz="1400" baseline="0" dirty="0"/>
+                        <a:t>8</a:t>
+                      </a:r>
+                    </a:p>
+                  </a:txBody>
+                  <a:tcPr/>
+                </a:tc>
+                <a:tc>
+                  <a:txBody>
+                    <a:bodyPr/>
+                    <a:lstStyle/>
+                    <a:p>
+                      <a:r>
+                        <a:rPr lang="en-US" sz="1400" baseline="0" dirty="0"/>
+                        <a:t>0.59</a:t>
+                      </a:r>
+                    </a:p>
+                  </a:txBody>
+                  <a:tcPr/>
+                </a:tc>
+                <a:tc>
+                  <a:txBody>
+                    <a:bodyPr/>
+                    <a:lstStyle/>
+                    <a:p>
+                      <a:r>
+                        <a:rPr lang="en-US" sz="1400" baseline="0" dirty="0"/>
+                        <a:t>71,112</a:t>
                       </a:r>
                     </a:p>
                   </a:txBody>
@@ -11190,7 +10856,53 @@
                 </a:tc>
                 <a:extLst>
                   <a:ext uri="{0D108BD9-81ED-4DB2-BD59-A6C34878D82A}">
-                    <a16:rowId xmlns:a16="http://schemas.microsoft.com/office/drawing/2014/main" val="2177360865"/>
+                    <a16:rowId xmlns:a16="http://schemas.microsoft.com/office/drawing/2014/main" val="875433323"/>
+                  </a:ext>
+                </a:extLst>
+              </a:tr>
+              <a:tr h="344785">
+                <a:tc>
+                  <a:txBody>
+                    <a:bodyPr/>
+                    <a:lstStyle/>
+                    <a:p>
+                      <a:r>
+                        <a:rPr lang="en-US" sz="1400" baseline="0" dirty="0"/>
+                        <a:t>7</a:t>
+                      </a:r>
+                    </a:p>
+                  </a:txBody>
+                  <a:tcPr/>
+                </a:tc>
+                <a:tc>
+                  <a:txBody>
+                    <a:bodyPr/>
+                    <a:lstStyle/>
+                    <a:p>
+                      <a:r>
+                        <a:rPr lang="en-US" sz="1400" baseline="0" dirty="0"/>
+                        <a:t>0.59</a:t>
+                      </a:r>
+                    </a:p>
+                  </a:txBody>
+                  <a:tcPr/>
+                </a:tc>
+                <a:tc>
+                  <a:txBody>
+                    <a:bodyPr/>
+                    <a:lstStyle/>
+                    <a:p>
+                      <a:r>
+                        <a:rPr lang="en-US" sz="1400" baseline="0" dirty="0"/>
+                        <a:t>71,047</a:t>
+                      </a:r>
+                    </a:p>
+                  </a:txBody>
+                  <a:tcPr/>
+                </a:tc>
+                <a:extLst>
+                  <a:ext uri="{0D108BD9-81ED-4DB2-BD59-A6C34878D82A}">
+                    <a16:rowId xmlns:a16="http://schemas.microsoft.com/office/drawing/2014/main" val="4196028831"/>
                   </a:ext>
                 </a:extLst>
               </a:tr>
@@ -11201,34 +10913,34 @@
                     <a:lstStyle/>
                     <a:p>
                       <a:r>
-                        <a:rPr lang="en-US" dirty="0"/>
-                        <a:t>5</a:t>
-                      </a:r>
-                    </a:p>
-                  </a:txBody>
-                  <a:tcPr/>
-                </a:tc>
-                <a:tc>
-                  <a:txBody>
-                    <a:bodyPr/>
-                    <a:lstStyle/>
-                    <a:p>
-                      <a:r>
-                        <a:rPr lang="en-US" dirty="0"/>
-                        <a:t>78,300</a:t>
-                      </a:r>
-                    </a:p>
-                  </a:txBody>
-                  <a:tcPr/>
-                </a:tc>
-                <a:tc>
-                  <a:txBody>
-                    <a:bodyPr/>
-                    <a:lstStyle/>
-                    <a:p>
-                      <a:r>
-                        <a:rPr lang="en-US" dirty="0"/>
-                        <a:t>118,993</a:t>
+                        <a:rPr lang="en-US" sz="1400" baseline="0" dirty="0"/>
+                        <a:t>6</a:t>
+                      </a:r>
+                    </a:p>
+                  </a:txBody>
+                  <a:tcPr/>
+                </a:tc>
+                <a:tc>
+                  <a:txBody>
+                    <a:bodyPr/>
+                    <a:lstStyle/>
+                    <a:p>
+                      <a:r>
+                        <a:rPr lang="en-US" sz="1400" baseline="0" dirty="0"/>
+                        <a:t>0.53</a:t>
+                      </a:r>
+                    </a:p>
+                  </a:txBody>
+                  <a:tcPr/>
+                </a:tc>
+                <a:tc>
+                  <a:txBody>
+                    <a:bodyPr/>
+                    <a:lstStyle/>
+                    <a:p>
+                      <a:r>
+                        <a:rPr lang="en-US" sz="1400" baseline="0" dirty="0"/>
+                        <a:t>75,317</a:t>
                       </a:r>
                     </a:p>
                   </a:txBody>
@@ -11236,7 +10948,7 @@
                 </a:tc>
                 <a:extLst>
                   <a:ext uri="{0D108BD9-81ED-4DB2-BD59-A6C34878D82A}">
-                    <a16:rowId xmlns:a16="http://schemas.microsoft.com/office/drawing/2014/main" val="2511182592"/>
+                    <a16:rowId xmlns:a16="http://schemas.microsoft.com/office/drawing/2014/main" val="3811153723"/>
                   </a:ext>
                 </a:extLst>
               </a:tr>
@@ -11244,10 +10956,72 @@
           </a:graphicData>
         </a:graphic>
       </p:graphicFrame>
+      <p:sp>
+        <p:nvSpPr>
+          <p:cNvPr id="6" name="TextBox 5">
+            <a:extLst>
+              <a:ext uri="{FF2B5EF4-FFF2-40B4-BE49-F238E27FC236}">
+                <a16:creationId xmlns:a16="http://schemas.microsoft.com/office/drawing/2014/main" id="{BAAE9812-BCDD-130E-F722-1BFCE4D08FCF}"/>
+              </a:ext>
+            </a:extLst>
+          </p:cNvPr>
+          <p:cNvSpPr txBox="1"/>
+          <p:nvPr/>
+        </p:nvSpPr>
+        <p:spPr>
+          <a:xfrm>
+            <a:off x="2229220" y="4867086"/>
+            <a:ext cx="8135650" cy="2031325"/>
+          </a:xfrm>
+          <a:prstGeom prst="rect">
+            <a:avLst/>
+          </a:prstGeom>
+          <a:noFill/>
+        </p:spPr>
+        <p:txBody>
+          <a:bodyPr wrap="square" rtlCol="0">
+            <a:spAutoFit/>
+          </a:bodyPr>
+          <a:lstStyle/>
+          <a:p>
+            <a:pPr marL="285750" indent="-285750">
+              <a:buFont typeface="Wingdings" panose="05000000000000000000" pitchFamily="2" charset="2"/>
+              <a:buChar char="Ø"/>
+            </a:pPr>
+            <a:r>
+              <a:rPr lang="pt-BR" dirty="0"/>
+              <a:t>regParam=0.01, elasticNetParam=1.00</a:t>
+            </a:r>
+          </a:p>
+          <a:p>
+            <a:pPr marL="285750" indent="-285750">
+              <a:buFont typeface="Wingdings" panose="05000000000000000000" pitchFamily="2" charset="2"/>
+              <a:buChar char="Ø"/>
+            </a:pPr>
+            <a:r>
+              <a:rPr lang="pt-BR" dirty="0"/>
+              <a:t>featureType = continuous, labelType = continuous for Univariate Feature Selectors to use F-value selector</a:t>
+            </a:r>
+          </a:p>
+          <a:p>
+            <a:pPr marL="285750" indent="-285750">
+              <a:buFont typeface="Wingdings" panose="05000000000000000000" pitchFamily="2" charset="2"/>
+              <a:buChar char="Ø"/>
+            </a:pPr>
+            <a:r>
+              <a:rPr lang="pt-BR" dirty="0"/>
+              <a:t>top 7 features: latitude, housing_median_age, total_rooms, total_bedrooms, households, median_income, ocean_proximity_INLAND</a:t>
+            </a:r>
+          </a:p>
+          <a:p>
+            <a:endParaRPr lang="en-US" dirty="0"/>
+          </a:p>
+        </p:txBody>
+      </p:sp>
     </p:spTree>
     <p:extLst>
       <p:ext uri="{BB962C8B-B14F-4D97-AF65-F5344CB8AC3E}">
-        <p14:creationId xmlns:p14="http://schemas.microsoft.com/office/powerpoint/2010/main" val="1417662537"/>
+        <p14:creationId xmlns:p14="http://schemas.microsoft.com/office/powerpoint/2010/main" val="2893837684"/>
       </p:ext>
     </p:extLst>
   </p:cSld>
@@ -11257,7 +11031,7 @@
 </p:sld>
 </file>
 
-<file path=ppt/slides/slide17.xml><?xml version="1.0" encoding="utf-8"?>
+<file path=ppt/slides/slide16.xml><?xml version="1.0" encoding="utf-8"?>
 <p:sld xmlns:a="http://schemas.openxmlformats.org/drawingml/2006/main" xmlns:r="http://schemas.openxmlformats.org/officeDocument/2006/relationships" xmlns:p="http://schemas.openxmlformats.org/presentationml/2006/main">
   <p:cSld>
     <p:spTree>
@@ -11292,21 +11066,19 @@
         </p:nvSpPr>
         <p:spPr/>
         <p:txBody>
-          <a:bodyPr>
-            <a:normAutofit/>
-          </a:bodyPr>
+          <a:bodyPr/>
           <a:lstStyle/>
           <a:p>
             <a:r>
               <a:rPr lang="en-US" dirty="0"/>
-              <a:t>Tune Hyperparameters: </a:t>
+              <a:t>Model 2: Linear Regression</a:t>
             </a:r>
             <a:br>
               <a:rPr lang="en-US" dirty="0"/>
             </a:br>
             <a:r>
               <a:rPr lang="en-US" dirty="0"/>
-              <a:t>Search for top features </a:t>
+              <a:t>7 Features</a:t>
             </a:r>
           </a:p>
         </p:txBody>
@@ -11337,31 +11109,22 @@
             <a:pPr marL="0" indent="0">
               <a:buNone/>
             </a:pPr>
-            <a:endParaRPr lang="pt-BR" dirty="0"/>
+            <a:r>
+              <a:rPr lang="en-US" dirty="0"/>
+              <a:t> </a:t>
+            </a:r>
           </a:p>
           <a:p>
             <a:r>
               <a:rPr lang="pt-BR" dirty="0"/>
-              <a:t>Linear Regression</a:t>
+              <a:t>regParam=0.01, elasticNetParam=1.00, featureType = continuous, labelType = continuous</a:t>
             </a:r>
           </a:p>
           <a:p>
             <a:r>
               <a:rPr lang="pt-BR" dirty="0"/>
-              <a:t>regParam=0.01, elasticNetParam=1.00</a:t>
-            </a:r>
-          </a:p>
-          <a:p>
-            <a:r>
-              <a:rPr lang="pt-BR" dirty="0"/>
-              <a:t>featureType = continuous, labelType = continuous for Univariate Feature Selectors to use F-value selector</a:t>
-            </a:r>
-          </a:p>
-          <a:p>
-            <a:pPr marL="0" indent="0">
-              <a:buNone/>
-            </a:pPr>
-            <a:endParaRPr lang="pt-BR" dirty="0"/>
+              <a:t>r2 = 0.59,  rootMeanSquareError = 71,047</a:t>
+            </a:r>
           </a:p>
           <a:p>
             <a:endParaRPr lang="pt-BR" dirty="0"/>
@@ -11479,788 +11242,6 @@
           </a:p>
         </p:txBody>
       </p:sp>
-    </p:spTree>
-    <p:extLst>
-      <p:ext uri="{BB962C8B-B14F-4D97-AF65-F5344CB8AC3E}">
-        <p14:creationId xmlns:p14="http://schemas.microsoft.com/office/powerpoint/2010/main" val="1147861612"/>
-      </p:ext>
-    </p:extLst>
-  </p:cSld>
-  <p:clrMapOvr>
-    <a:masterClrMapping/>
-  </p:clrMapOvr>
-</p:sld>
-</file>
-
-<file path=ppt/slides/slide18.xml><?xml version="1.0" encoding="utf-8"?>
-<p:sld xmlns:a="http://schemas.openxmlformats.org/drawingml/2006/main" xmlns:r="http://schemas.openxmlformats.org/officeDocument/2006/relationships" xmlns:p="http://schemas.openxmlformats.org/presentationml/2006/main">
-  <p:cSld>
-    <p:spTree>
-      <p:nvGrpSpPr>
-        <p:cNvPr id="1" name=""/>
-        <p:cNvGrpSpPr/>
-        <p:nvPr/>
-      </p:nvGrpSpPr>
-      <p:grpSpPr>
-        <a:xfrm>
-          <a:off x="0" y="0"/>
-          <a:ext cx="0" cy="0"/>
-          <a:chOff x="0" y="0"/>
-          <a:chExt cx="0" cy="0"/>
-        </a:xfrm>
-      </p:grpSpPr>
-      <p:sp>
-        <p:nvSpPr>
-          <p:cNvPr id="2" name="Title 1">
-            <a:extLst>
-              <a:ext uri="{FF2B5EF4-FFF2-40B4-BE49-F238E27FC236}">
-                <a16:creationId xmlns:a16="http://schemas.microsoft.com/office/drawing/2014/main" id="{DC74FF1A-3201-DD3F-BC9C-2A79A284A11D}"/>
-              </a:ext>
-            </a:extLst>
-          </p:cNvPr>
-          <p:cNvSpPr>
-            <a:spLocks noGrp="1"/>
-          </p:cNvSpPr>
-          <p:nvPr>
-            <p:ph type="title"/>
-          </p:nvPr>
-        </p:nvSpPr>
-        <p:spPr/>
-        <p:txBody>
-          <a:bodyPr/>
-          <a:lstStyle/>
-          <a:p>
-            <a:r>
-              <a:rPr lang="en-US" dirty="0"/>
-              <a:t>Tune Hyperparameters: </a:t>
-            </a:r>
-            <a:br>
-              <a:rPr lang="en-US" dirty="0"/>
-            </a:br>
-            <a:r>
-              <a:rPr lang="en-US" dirty="0"/>
-              <a:t>Search for Top Features</a:t>
-            </a:r>
-          </a:p>
-        </p:txBody>
-      </p:sp>
-      <p:graphicFrame>
-        <p:nvGraphicFramePr>
-          <p:cNvPr id="5" name="Table 7">
-            <a:extLst>
-              <a:ext uri="{FF2B5EF4-FFF2-40B4-BE49-F238E27FC236}">
-                <a16:creationId xmlns:a16="http://schemas.microsoft.com/office/drawing/2014/main" id="{D0A5EB97-31A5-077F-D530-37F00BE56859}"/>
-              </a:ext>
-            </a:extLst>
-          </p:cNvPr>
-          <p:cNvGraphicFramePr>
-            <a:graphicFrameLocks noGrp="1"/>
-          </p:cNvGraphicFramePr>
-          <p:nvPr>
-            <p:ph idx="1"/>
-            <p:extLst>
-              <p:ext uri="{D42A27DB-BD31-4B8C-83A1-F6EECF244321}">
-                <p14:modId xmlns:p14="http://schemas.microsoft.com/office/powerpoint/2010/main" val="1976022514"/>
-              </p:ext>
-            </p:extLst>
-          </p:nvPr>
-        </p:nvGraphicFramePr>
-        <p:xfrm>
-          <a:off x="1960700" y="2177107"/>
-          <a:ext cx="8270599" cy="2503785"/>
-        </p:xfrm>
-        <a:graphic>
-          <a:graphicData uri="http://schemas.openxmlformats.org/drawingml/2006/table">
-            <a:tbl>
-              <a:tblPr firstRow="1" bandRow="1">
-                <a:tableStyleId>{5C22544A-7EE6-4342-B048-85BDC9FD1C3A}</a:tableStyleId>
-              </a:tblPr>
-              <a:tblGrid>
-                <a:gridCol w="2724985">
-                  <a:extLst>
-                    <a:ext uri="{9D8B030D-6E8A-4147-A177-3AD203B41FA5}">
-                      <a16:colId xmlns:a16="http://schemas.microsoft.com/office/drawing/2014/main" val="2735835459"/>
-                    </a:ext>
-                  </a:extLst>
-                </a:gridCol>
-                <a:gridCol w="2709333">
-                  <a:extLst>
-                    <a:ext uri="{9D8B030D-6E8A-4147-A177-3AD203B41FA5}">
-                      <a16:colId xmlns:a16="http://schemas.microsoft.com/office/drawing/2014/main" val="1331581757"/>
-                    </a:ext>
-                  </a:extLst>
-                </a:gridCol>
-                <a:gridCol w="2836281">
-                  <a:extLst>
-                    <a:ext uri="{9D8B030D-6E8A-4147-A177-3AD203B41FA5}">
-                      <a16:colId xmlns:a16="http://schemas.microsoft.com/office/drawing/2014/main" val="3027414099"/>
-                    </a:ext>
-                  </a:extLst>
-                </a:gridCol>
-              </a:tblGrid>
-              <a:tr h="275631">
-                <a:tc>
-                  <a:txBody>
-                    <a:bodyPr/>
-                    <a:lstStyle/>
-                    <a:p>
-                      <a:pPr marL="0" marR="0" lvl="0" indent="0" algn="l" defTabSz="914400" rtl="0" eaLnBrk="1" fontAlgn="auto" latinLnBrk="0" hangingPunct="1">
-                        <a:lnSpc>
-                          <a:spcPct val="100000"/>
-                        </a:lnSpc>
-                        <a:spcBef>
-                          <a:spcPts val="0"/>
-                        </a:spcBef>
-                        <a:spcAft>
-                          <a:spcPts val="0"/>
-                        </a:spcAft>
-                        <a:buClrTx/>
-                        <a:buSzTx/>
-                        <a:buFontTx/>
-                        <a:buNone/>
-                        <a:tabLst/>
-                        <a:defRPr/>
-                      </a:pPr>
-                      <a:r>
-                        <a:rPr lang="pt-BR" sz="1400" dirty="0"/>
-                        <a:t>numTopFeatures </a:t>
-                      </a:r>
-                    </a:p>
-                  </a:txBody>
-                  <a:tcPr/>
-                </a:tc>
-                <a:tc>
-                  <a:txBody>
-                    <a:bodyPr/>
-                    <a:lstStyle/>
-                    <a:p>
-                      <a:r>
-                        <a:rPr lang="en-US" sz="1400" dirty="0"/>
-                        <a:t>r2</a:t>
-                      </a:r>
-                    </a:p>
-                  </a:txBody>
-                  <a:tcPr/>
-                </a:tc>
-                <a:tc>
-                  <a:txBody>
-                    <a:bodyPr/>
-                    <a:lstStyle/>
-                    <a:p>
-                      <a:r>
-                        <a:rPr lang="en-US" sz="1400" dirty="0" err="1"/>
-                        <a:t>rootMeanSquaredError</a:t>
-                      </a:r>
-                      <a:endParaRPr lang="en-US" sz="1400" dirty="0"/>
-                    </a:p>
-                  </a:txBody>
-                  <a:tcPr/>
-                </a:tc>
-                <a:extLst>
-                  <a:ext uri="{0D108BD9-81ED-4DB2-BD59-A6C34878D82A}">
-                    <a16:rowId xmlns:a16="http://schemas.microsoft.com/office/drawing/2014/main" val="2064336715"/>
-                  </a:ext>
-                </a:extLst>
-              </a:tr>
-              <a:tr h="370840">
-                <a:tc>
-                  <a:txBody>
-                    <a:bodyPr/>
-                    <a:lstStyle/>
-                    <a:p>
-                      <a:pPr marL="0" marR="0" lvl="0" indent="0" algn="l" defTabSz="914400" rtl="0" eaLnBrk="1" fontAlgn="auto" latinLnBrk="0" hangingPunct="1">
-                        <a:lnSpc>
-                          <a:spcPct val="100000"/>
-                        </a:lnSpc>
-                        <a:spcBef>
-                          <a:spcPts val="0"/>
-                        </a:spcBef>
-                        <a:spcAft>
-                          <a:spcPts val="0"/>
-                        </a:spcAft>
-                        <a:buClrTx/>
-                        <a:buSzTx/>
-                        <a:buFontTx/>
-                        <a:buNone/>
-                        <a:tabLst/>
-                        <a:defRPr/>
-                      </a:pPr>
-                      <a:r>
-                        <a:rPr lang="pt-BR" sz="1400" baseline="0" dirty="0"/>
-                        <a:t>12</a:t>
-                      </a:r>
-                    </a:p>
-                  </a:txBody>
-                  <a:tcPr/>
-                </a:tc>
-                <a:tc>
-                  <a:txBody>
-                    <a:bodyPr/>
-                    <a:lstStyle/>
-                    <a:p>
-                      <a:r>
-                        <a:rPr lang="pt-BR" sz="1400" dirty="0"/>
-                        <a:t>0.63</a:t>
-                      </a:r>
-                      <a:endParaRPr lang="en-US" sz="1400" baseline="0" dirty="0"/>
-                    </a:p>
-                  </a:txBody>
-                  <a:tcPr/>
-                </a:tc>
-                <a:tc>
-                  <a:txBody>
-                    <a:bodyPr/>
-                    <a:lstStyle/>
-                    <a:p>
-                      <a:r>
-                        <a:rPr lang="en-US" sz="1400" baseline="0" dirty="0"/>
-                        <a:t>67,548</a:t>
-                      </a:r>
-                    </a:p>
-                  </a:txBody>
-                  <a:tcPr/>
-                </a:tc>
-                <a:extLst>
-                  <a:ext uri="{0D108BD9-81ED-4DB2-BD59-A6C34878D82A}">
-                    <a16:rowId xmlns:a16="http://schemas.microsoft.com/office/drawing/2014/main" val="4281266039"/>
-                  </a:ext>
-                </a:extLst>
-              </a:tr>
-              <a:tr h="370840">
-                <a:tc>
-                  <a:txBody>
-                    <a:bodyPr/>
-                    <a:lstStyle/>
-                    <a:p>
-                      <a:pPr marL="0" marR="0" lvl="0" indent="0" algn="l" defTabSz="914400" rtl="0" eaLnBrk="1" fontAlgn="auto" latinLnBrk="0" hangingPunct="1">
-                        <a:lnSpc>
-                          <a:spcPct val="100000"/>
-                        </a:lnSpc>
-                        <a:spcBef>
-                          <a:spcPts val="0"/>
-                        </a:spcBef>
-                        <a:spcAft>
-                          <a:spcPts val="0"/>
-                        </a:spcAft>
-                        <a:buClrTx/>
-                        <a:buSzTx/>
-                        <a:buFontTx/>
-                        <a:buNone/>
-                        <a:tabLst/>
-                        <a:defRPr/>
-                      </a:pPr>
-                      <a:r>
-                        <a:rPr lang="pt-BR" sz="1400" baseline="0" dirty="0"/>
-                        <a:t>10</a:t>
-                      </a:r>
-                    </a:p>
-                  </a:txBody>
-                  <a:tcPr/>
-                </a:tc>
-                <a:tc>
-                  <a:txBody>
-                    <a:bodyPr/>
-                    <a:lstStyle/>
-                    <a:p>
-                      <a:r>
-                        <a:rPr lang="en-US" sz="1400" baseline="0" dirty="0"/>
-                        <a:t>0.59</a:t>
-                      </a:r>
-                    </a:p>
-                  </a:txBody>
-                  <a:tcPr/>
-                </a:tc>
-                <a:tc>
-                  <a:txBody>
-                    <a:bodyPr/>
-                    <a:lstStyle/>
-                    <a:p>
-                      <a:r>
-                        <a:rPr lang="en-US" sz="1400" baseline="0" dirty="0"/>
-                        <a:t>70,673</a:t>
-                      </a:r>
-                    </a:p>
-                  </a:txBody>
-                  <a:tcPr/>
-                </a:tc>
-                <a:extLst>
-                  <a:ext uri="{0D108BD9-81ED-4DB2-BD59-A6C34878D82A}">
-                    <a16:rowId xmlns:a16="http://schemas.microsoft.com/office/drawing/2014/main" val="4193087041"/>
-                  </a:ext>
-                </a:extLst>
-              </a:tr>
-              <a:tr h="370840">
-                <a:tc>
-                  <a:txBody>
-                    <a:bodyPr/>
-                    <a:lstStyle/>
-                    <a:p>
-                      <a:pPr marL="0" marR="0" lvl="0" indent="0" algn="l" defTabSz="914400" rtl="0" eaLnBrk="1" fontAlgn="auto" latinLnBrk="0" hangingPunct="1">
-                        <a:lnSpc>
-                          <a:spcPct val="100000"/>
-                        </a:lnSpc>
-                        <a:spcBef>
-                          <a:spcPts val="0"/>
-                        </a:spcBef>
-                        <a:spcAft>
-                          <a:spcPts val="0"/>
-                        </a:spcAft>
-                        <a:buClrTx/>
-                        <a:buSzTx/>
-                        <a:buFontTx/>
-                        <a:buNone/>
-                        <a:tabLst/>
-                        <a:defRPr/>
-                      </a:pPr>
-                      <a:r>
-                        <a:rPr lang="pt-BR" sz="1400" baseline="0" dirty="0"/>
-                        <a:t>9</a:t>
-                      </a:r>
-                    </a:p>
-                  </a:txBody>
-                  <a:tcPr/>
-                </a:tc>
-                <a:tc>
-                  <a:txBody>
-                    <a:bodyPr/>
-                    <a:lstStyle/>
-                    <a:p>
-                      <a:r>
-                        <a:rPr lang="en-US" sz="1400" baseline="0" dirty="0"/>
-                        <a:t>0.59</a:t>
-                      </a:r>
-                    </a:p>
-                  </a:txBody>
-                  <a:tcPr/>
-                </a:tc>
-                <a:tc>
-                  <a:txBody>
-                    <a:bodyPr/>
-                    <a:lstStyle/>
-                    <a:p>
-                      <a:r>
-                        <a:rPr lang="en-US" sz="1400" baseline="0" dirty="0"/>
-                        <a:t>70,812</a:t>
-                      </a:r>
-                    </a:p>
-                  </a:txBody>
-                  <a:tcPr/>
-                </a:tc>
-                <a:extLst>
-                  <a:ext uri="{0D108BD9-81ED-4DB2-BD59-A6C34878D82A}">
-                    <a16:rowId xmlns:a16="http://schemas.microsoft.com/office/drawing/2014/main" val="698778015"/>
-                  </a:ext>
-                </a:extLst>
-              </a:tr>
-              <a:tr h="370840">
-                <a:tc>
-                  <a:txBody>
-                    <a:bodyPr/>
-                    <a:lstStyle/>
-                    <a:p>
-                      <a:r>
-                        <a:rPr lang="en-US" sz="1400" baseline="0" dirty="0"/>
-                        <a:t>8</a:t>
-                      </a:r>
-                    </a:p>
-                  </a:txBody>
-                  <a:tcPr/>
-                </a:tc>
-                <a:tc>
-                  <a:txBody>
-                    <a:bodyPr/>
-                    <a:lstStyle/>
-                    <a:p>
-                      <a:r>
-                        <a:rPr lang="en-US" sz="1400" baseline="0" dirty="0"/>
-                        <a:t>0.59</a:t>
-                      </a:r>
-                    </a:p>
-                  </a:txBody>
-                  <a:tcPr/>
-                </a:tc>
-                <a:tc>
-                  <a:txBody>
-                    <a:bodyPr/>
-                    <a:lstStyle/>
-                    <a:p>
-                      <a:r>
-                        <a:rPr lang="en-US" sz="1400" baseline="0" dirty="0"/>
-                        <a:t>71,112</a:t>
-                      </a:r>
-                    </a:p>
-                  </a:txBody>
-                  <a:tcPr/>
-                </a:tc>
-                <a:extLst>
-                  <a:ext uri="{0D108BD9-81ED-4DB2-BD59-A6C34878D82A}">
-                    <a16:rowId xmlns:a16="http://schemas.microsoft.com/office/drawing/2014/main" val="875433323"/>
-                  </a:ext>
-                </a:extLst>
-              </a:tr>
-              <a:tr h="344785">
-                <a:tc>
-                  <a:txBody>
-                    <a:bodyPr/>
-                    <a:lstStyle/>
-                    <a:p>
-                      <a:r>
-                        <a:rPr lang="en-US" sz="1400" baseline="0" dirty="0"/>
-                        <a:t>7</a:t>
-                      </a:r>
-                    </a:p>
-                  </a:txBody>
-                  <a:tcPr/>
-                </a:tc>
-                <a:tc>
-                  <a:txBody>
-                    <a:bodyPr/>
-                    <a:lstStyle/>
-                    <a:p>
-                      <a:r>
-                        <a:rPr lang="en-US" sz="1400" baseline="0" dirty="0"/>
-                        <a:t>0.59</a:t>
-                      </a:r>
-                    </a:p>
-                  </a:txBody>
-                  <a:tcPr/>
-                </a:tc>
-                <a:tc>
-                  <a:txBody>
-                    <a:bodyPr/>
-                    <a:lstStyle/>
-                    <a:p>
-                      <a:r>
-                        <a:rPr lang="en-US" sz="1400" baseline="0" dirty="0"/>
-                        <a:t>71,047</a:t>
-                      </a:r>
-                    </a:p>
-                  </a:txBody>
-                  <a:tcPr/>
-                </a:tc>
-                <a:extLst>
-                  <a:ext uri="{0D108BD9-81ED-4DB2-BD59-A6C34878D82A}">
-                    <a16:rowId xmlns:a16="http://schemas.microsoft.com/office/drawing/2014/main" val="4196028831"/>
-                  </a:ext>
-                </a:extLst>
-              </a:tr>
-              <a:tr h="370840">
-                <a:tc>
-                  <a:txBody>
-                    <a:bodyPr/>
-                    <a:lstStyle/>
-                    <a:p>
-                      <a:r>
-                        <a:rPr lang="en-US" sz="1400" baseline="0" dirty="0"/>
-                        <a:t>6</a:t>
-                      </a:r>
-                    </a:p>
-                  </a:txBody>
-                  <a:tcPr/>
-                </a:tc>
-                <a:tc>
-                  <a:txBody>
-                    <a:bodyPr/>
-                    <a:lstStyle/>
-                    <a:p>
-                      <a:r>
-                        <a:rPr lang="en-US" sz="1400" baseline="0" dirty="0"/>
-                        <a:t>0.53</a:t>
-                      </a:r>
-                    </a:p>
-                  </a:txBody>
-                  <a:tcPr/>
-                </a:tc>
-                <a:tc>
-                  <a:txBody>
-                    <a:bodyPr/>
-                    <a:lstStyle/>
-                    <a:p>
-                      <a:r>
-                        <a:rPr lang="en-US" sz="1400" baseline="0" dirty="0"/>
-                        <a:t>75,317</a:t>
-                      </a:r>
-                    </a:p>
-                  </a:txBody>
-                  <a:tcPr/>
-                </a:tc>
-                <a:extLst>
-                  <a:ext uri="{0D108BD9-81ED-4DB2-BD59-A6C34878D82A}">
-                    <a16:rowId xmlns:a16="http://schemas.microsoft.com/office/drawing/2014/main" val="3811153723"/>
-                  </a:ext>
-                </a:extLst>
-              </a:tr>
-            </a:tbl>
-          </a:graphicData>
-        </a:graphic>
-      </p:graphicFrame>
-      <p:sp>
-        <p:nvSpPr>
-          <p:cNvPr id="6" name="TextBox 5">
-            <a:extLst>
-              <a:ext uri="{FF2B5EF4-FFF2-40B4-BE49-F238E27FC236}">
-                <a16:creationId xmlns:a16="http://schemas.microsoft.com/office/drawing/2014/main" id="{BAAE9812-BCDD-130E-F722-1BFCE4D08FCF}"/>
-              </a:ext>
-            </a:extLst>
-          </p:cNvPr>
-          <p:cNvSpPr txBox="1"/>
-          <p:nvPr/>
-        </p:nvSpPr>
-        <p:spPr>
-          <a:xfrm>
-            <a:off x="2229220" y="4867086"/>
-            <a:ext cx="8135650" cy="1200329"/>
-          </a:xfrm>
-          <a:prstGeom prst="rect">
-            <a:avLst/>
-          </a:prstGeom>
-          <a:noFill/>
-        </p:spPr>
-        <p:txBody>
-          <a:bodyPr wrap="square" rtlCol="0">
-            <a:spAutoFit/>
-          </a:bodyPr>
-          <a:lstStyle/>
-          <a:p>
-            <a:r>
-              <a:rPr lang="pt-BR" dirty="0"/>
-              <a:t>top 7 features: latitude, housing_median_age, total_rooms, total_bedrooms, households, median_income, ocean_proximity_INLAND</a:t>
-            </a:r>
-          </a:p>
-          <a:p>
-            <a:endParaRPr lang="en-US" dirty="0"/>
-          </a:p>
-        </p:txBody>
-      </p:sp>
-    </p:spTree>
-    <p:extLst>
-      <p:ext uri="{BB962C8B-B14F-4D97-AF65-F5344CB8AC3E}">
-        <p14:creationId xmlns:p14="http://schemas.microsoft.com/office/powerpoint/2010/main" val="2893837684"/>
-      </p:ext>
-    </p:extLst>
-  </p:cSld>
-  <p:clrMapOvr>
-    <a:masterClrMapping/>
-  </p:clrMapOvr>
-</p:sld>
-</file>
-
-<file path=ppt/slides/slide19.xml><?xml version="1.0" encoding="utf-8"?>
-<p:sld xmlns:a="http://schemas.openxmlformats.org/drawingml/2006/main" xmlns:r="http://schemas.openxmlformats.org/officeDocument/2006/relationships" xmlns:p="http://schemas.openxmlformats.org/presentationml/2006/main">
-  <p:cSld>
-    <p:spTree>
-      <p:nvGrpSpPr>
-        <p:cNvPr id="1" name=""/>
-        <p:cNvGrpSpPr/>
-        <p:nvPr/>
-      </p:nvGrpSpPr>
-      <p:grpSpPr>
-        <a:xfrm>
-          <a:off x="0" y="0"/>
-          <a:ext cx="0" cy="0"/>
-          <a:chOff x="0" y="0"/>
-          <a:chExt cx="0" cy="0"/>
-        </a:xfrm>
-      </p:grpSpPr>
-      <p:sp>
-        <p:nvSpPr>
-          <p:cNvPr id="2" name="Title 1">
-            <a:extLst>
-              <a:ext uri="{FF2B5EF4-FFF2-40B4-BE49-F238E27FC236}">
-                <a16:creationId xmlns:a16="http://schemas.microsoft.com/office/drawing/2014/main" id="{02988E20-4D66-40C6-A584-AF03BF83D748}"/>
-              </a:ext>
-            </a:extLst>
-          </p:cNvPr>
-          <p:cNvSpPr>
-            <a:spLocks noGrp="1"/>
-          </p:cNvSpPr>
-          <p:nvPr>
-            <p:ph type="title"/>
-          </p:nvPr>
-        </p:nvSpPr>
-        <p:spPr/>
-        <p:txBody>
-          <a:bodyPr/>
-          <a:lstStyle/>
-          <a:p>
-            <a:r>
-              <a:rPr lang="en-US" dirty="0"/>
-              <a:t>Model 3: </a:t>
-            </a:r>
-            <a:br>
-              <a:rPr lang="en-US" dirty="0"/>
-            </a:br>
-            <a:r>
-              <a:rPr lang="en-US" dirty="0"/>
-              <a:t>Use Top 7 Features</a:t>
-            </a:r>
-          </a:p>
-        </p:txBody>
-      </p:sp>
-      <p:sp>
-        <p:nvSpPr>
-          <p:cNvPr id="3" name="Content Placeholder 2">
-            <a:extLst>
-              <a:ext uri="{FF2B5EF4-FFF2-40B4-BE49-F238E27FC236}">
-                <a16:creationId xmlns:a16="http://schemas.microsoft.com/office/drawing/2014/main" id="{333E3E5E-83C4-4417-85CD-68FDAEFA9951}"/>
-              </a:ext>
-            </a:extLst>
-          </p:cNvPr>
-          <p:cNvSpPr>
-            <a:spLocks noGrp="1"/>
-          </p:cNvSpPr>
-          <p:nvPr>
-            <p:ph idx="1"/>
-          </p:nvPr>
-        </p:nvSpPr>
-        <p:spPr/>
-        <p:txBody>
-          <a:bodyPr>
-            <a:normAutofit/>
-          </a:bodyPr>
-          <a:lstStyle/>
-          <a:p>
-            <a:r>
-              <a:rPr lang="en-US" dirty="0"/>
-              <a:t>Linear Regression. </a:t>
-            </a:r>
-          </a:p>
-          <a:p>
-            <a:r>
-              <a:rPr lang="pt-BR" dirty="0"/>
-              <a:t>regParam=0.01, elasticNetParam=1.00, featureType = continuous, labelType = continuous</a:t>
-            </a:r>
-          </a:p>
-          <a:p>
-            <a:r>
-              <a:rPr lang="pt-BR" dirty="0"/>
-              <a:t>numTopFeatures = 7</a:t>
-            </a:r>
-            <a:r>
-              <a:rPr lang="en-US" dirty="0"/>
-              <a:t>, </a:t>
-            </a:r>
-            <a:r>
-              <a:rPr lang="pt-BR" dirty="0"/>
-              <a:t>r2 = 0.59,  rootMeanSquareError = 71,047</a:t>
-            </a:r>
-          </a:p>
-          <a:p>
-            <a:endParaRPr lang="pt-BR" dirty="0"/>
-          </a:p>
-        </p:txBody>
-      </p:sp>
-      <p:sp>
-        <p:nvSpPr>
-          <p:cNvPr id="7" name="Rectangle 4">
-            <a:extLst>
-              <a:ext uri="{FF2B5EF4-FFF2-40B4-BE49-F238E27FC236}">
-                <a16:creationId xmlns:a16="http://schemas.microsoft.com/office/drawing/2014/main" id="{F4AD1D45-2D45-3E67-1E83-2863DC39332D}"/>
-              </a:ext>
-            </a:extLst>
-          </p:cNvPr>
-          <p:cNvSpPr>
-            <a:spLocks noChangeArrowheads="1"/>
-          </p:cNvSpPr>
-          <p:nvPr/>
-        </p:nvSpPr>
-        <p:spPr bwMode="auto">
-          <a:xfrm>
-            <a:off x="0" y="167044"/>
-            <a:ext cx="22442" cy="123111"/>
-          </a:xfrm>
-          <a:prstGeom prst="rect">
-            <a:avLst/>
-          </a:prstGeom>
-          <a:solidFill>
-            <a:srgbClr val="FFFFFF"/>
-          </a:solidFill>
-          <a:ln>
-            <a:noFill/>
-          </a:ln>
-          <a:effectLst/>
-          <a:extLst>
-            <a:ext uri="{91240B29-F687-4F45-9708-019B960494DF}">
-              <a14:hiddenLine xmlns:a14="http://schemas.microsoft.com/office/drawing/2010/main" w="9525">
-                <a:solidFill>
-                  <a:schemeClr val="tx1"/>
-                </a:solidFill>
-                <a:miter lim="800000"/>
-                <a:headEnd/>
-                <a:tailEnd/>
-              </a14:hiddenLine>
-            </a:ext>
-            <a:ext uri="{AF507438-7753-43E0-B8FC-AC1667EBCBE1}">
-              <a14:hiddenEffects xmlns:a14="http://schemas.microsoft.com/office/drawing/2010/main">
-                <a:effectLst>
-                  <a:outerShdw dist="35921" dir="2700000" algn="ctr" rotWithShape="0">
-                    <a:schemeClr val="bg2"/>
-                  </a:outerShdw>
-                </a:effectLst>
-              </a14:hiddenEffects>
-            </a:ext>
-          </a:extLst>
-        </p:spPr>
-        <p:txBody>
-          <a:bodyPr vert="horz" wrap="none" lIns="0" tIns="0" rIns="0" bIns="0" numCol="1" anchor="ctr" anchorCtr="0" compatLnSpc="1">
-            <a:prstTxWarp prst="textNoShape">
-              <a:avLst/>
-            </a:prstTxWarp>
-            <a:spAutoFit/>
-          </a:bodyPr>
-          <a:lstStyle/>
-          <a:p>
-            <a:pPr marL="0" marR="0" lvl="0" indent="0" algn="l" defTabSz="914400" rtl="0" eaLnBrk="0" fontAlgn="base" latinLnBrk="0" hangingPunct="0">
-              <a:lnSpc>
-                <a:spcPct val="100000"/>
-              </a:lnSpc>
-              <a:spcBef>
-                <a:spcPct val="0"/>
-              </a:spcBef>
-              <a:spcAft>
-                <a:spcPct val="0"/>
-              </a:spcAft>
-              <a:buClrTx/>
-              <a:buSzTx/>
-              <a:buFontTx/>
-              <a:buNone/>
-              <a:tabLst/>
-              <a:defRPr/>
-            </a:pPr>
-            <a:r>
-              <a:rPr kumimoji="0" lang="en-US" altLang="en-US" sz="800" b="0" i="0" u="none" strike="noStrike" kern="1200" cap="none" spc="0" normalizeH="0" baseline="0" noProof="0" dirty="0">
-                <a:ln>
-                  <a:noFill/>
-                </a:ln>
-                <a:solidFill>
-                  <a:prstClr val="black"/>
-                </a:solidFill>
-                <a:effectLst/>
-                <a:uLnTx/>
-                <a:uFillTx/>
-                <a:latin typeface="Calibri" panose="020F0502020204030204"/>
-                <a:ea typeface="+mn-ea"/>
-                <a:cs typeface="+mn-cs"/>
-              </a:rPr>
-              <a:t> </a:t>
-            </a:r>
-            <a:endParaRPr kumimoji="0" lang="en-US" altLang="en-US" sz="1800" b="0" i="0" u="none" strike="noStrike" kern="1200" cap="none" spc="0" normalizeH="0" baseline="0" noProof="0" dirty="0">
-              <a:ln>
-                <a:noFill/>
-              </a:ln>
-              <a:solidFill>
-                <a:prstClr val="black"/>
-              </a:solidFill>
-              <a:effectLst/>
-              <a:uLnTx/>
-              <a:uFillTx/>
-              <a:latin typeface="Arial" panose="020B0604020202020204" pitchFamily="34" charset="0"/>
-              <a:ea typeface="+mn-ea"/>
-              <a:cs typeface="+mn-cs"/>
-            </a:endParaRPr>
-          </a:p>
-        </p:txBody>
-      </p:sp>
       <p:graphicFrame>
         <p:nvGraphicFramePr>
           <p:cNvPr id="6" name="Table 5">
@@ -12605,113 +11586,7 @@
 </p:sld>
 </file>
 
-<file path=ppt/slides/slide2.xml><?xml version="1.0" encoding="utf-8"?>
-<p:sld xmlns:a="http://schemas.openxmlformats.org/drawingml/2006/main" xmlns:r="http://schemas.openxmlformats.org/officeDocument/2006/relationships" xmlns:p="http://schemas.openxmlformats.org/presentationml/2006/main">
-  <p:cSld>
-    <p:spTree>
-      <p:nvGrpSpPr>
-        <p:cNvPr id="1" name=""/>
-        <p:cNvGrpSpPr/>
-        <p:nvPr/>
-      </p:nvGrpSpPr>
-      <p:grpSpPr>
-        <a:xfrm>
-          <a:off x="0" y="0"/>
-          <a:ext cx="0" cy="0"/>
-          <a:chOff x="0" y="0"/>
-          <a:chExt cx="0" cy="0"/>
-        </a:xfrm>
-      </p:grpSpPr>
-      <p:sp>
-        <p:nvSpPr>
-          <p:cNvPr id="2" name="Title 1">
-            <a:extLst>
-              <a:ext uri="{FF2B5EF4-FFF2-40B4-BE49-F238E27FC236}">
-                <a16:creationId xmlns:a16="http://schemas.microsoft.com/office/drawing/2014/main" id="{3B999978-E3FD-4687-B6EC-3499A03596E9}"/>
-              </a:ext>
-            </a:extLst>
-          </p:cNvPr>
-          <p:cNvSpPr>
-            <a:spLocks noGrp="1"/>
-          </p:cNvSpPr>
-          <p:nvPr>
-            <p:ph type="title"/>
-          </p:nvPr>
-        </p:nvSpPr>
-        <p:spPr/>
-        <p:txBody>
-          <a:bodyPr/>
-          <a:lstStyle/>
-          <a:p>
-            <a:r>
-              <a:rPr lang="en-US" dirty="0"/>
-              <a:t>Introduction</a:t>
-            </a:r>
-          </a:p>
-        </p:txBody>
-      </p:sp>
-      <p:sp>
-        <p:nvSpPr>
-          <p:cNvPr id="3" name="Content Placeholder 2">
-            <a:extLst>
-              <a:ext uri="{FF2B5EF4-FFF2-40B4-BE49-F238E27FC236}">
-                <a16:creationId xmlns:a16="http://schemas.microsoft.com/office/drawing/2014/main" id="{4FE6F619-7C9E-4F79-8B72-10BEF1EA47B0}"/>
-              </a:ext>
-            </a:extLst>
-          </p:cNvPr>
-          <p:cNvSpPr>
-            <a:spLocks noGrp="1"/>
-          </p:cNvSpPr>
-          <p:nvPr>
-            <p:ph idx="1"/>
-          </p:nvPr>
-        </p:nvSpPr>
-        <p:spPr/>
-        <p:txBody>
-          <a:bodyPr>
-            <a:normAutofit/>
-          </a:bodyPr>
-          <a:lstStyle/>
-          <a:p>
-            <a:r>
-              <a:rPr lang="en-US" dirty="0"/>
-              <a:t>Being able to predict housing price is very important to real estate investors</a:t>
-            </a:r>
-          </a:p>
-          <a:p>
-            <a:r>
-              <a:rPr lang="en-US" dirty="0"/>
-              <a:t>With the information, investors can decide whether there is a buying or selling opportunity.</a:t>
-            </a:r>
-          </a:p>
-          <a:p>
-            <a:r>
-              <a:rPr lang="en-US" dirty="0"/>
-              <a:t>This project builds regression models to predict housing price with given metrics.</a:t>
-            </a:r>
-          </a:p>
-          <a:p>
-            <a:pPr marL="0" indent="0">
-              <a:buNone/>
-            </a:pPr>
-            <a:endParaRPr lang="en-US" dirty="0"/>
-          </a:p>
-        </p:txBody>
-      </p:sp>
-    </p:spTree>
-    <p:extLst>
-      <p:ext uri="{BB962C8B-B14F-4D97-AF65-F5344CB8AC3E}">
-        <p14:creationId xmlns:p14="http://schemas.microsoft.com/office/powerpoint/2010/main" val="737009138"/>
-      </p:ext>
-    </p:extLst>
-  </p:cSld>
-  <p:clrMapOvr>
-    <a:masterClrMapping/>
-  </p:clrMapOvr>
-</p:sld>
-</file>
-
-<file path=ppt/slides/slide20.xml><?xml version="1.0" encoding="utf-8"?>
+<file path=ppt/slides/slide17.xml><?xml version="1.0" encoding="utf-8"?>
 <p:sld xmlns:a="http://schemas.openxmlformats.org/drawingml/2006/main" xmlns:r="http://schemas.openxmlformats.org/officeDocument/2006/relationships" xmlns:p="http://schemas.openxmlformats.org/presentationml/2006/main">
   <p:cSld>
     <p:spTree>
@@ -12753,7 +11628,7 @@
           <a:p>
             <a:r>
               <a:rPr lang="en-US" dirty="0"/>
-              <a:t>Model 4: </a:t>
+              <a:t>Model 3: Linear Regression 12 Features</a:t>
             </a:r>
             <a:br>
               <a:rPr lang="en-US" dirty="0"/>
@@ -12811,7 +11686,7 @@
           <a:p>
             <a:r>
               <a:rPr lang="en-US" dirty="0"/>
-              <a:t>Linear Regression. Grid Search for </a:t>
+              <a:t>Grid Search for </a:t>
             </a:r>
             <a:r>
               <a:rPr lang="en-US" i="0" dirty="0">
@@ -12835,12 +11710,7 @@
               </a:rPr>
               <a:t> </a:t>
             </a:r>
-          </a:p>
-          <a:p>
-            <a:r>
-              <a:rPr lang="en-US" dirty="0"/>
-              <a:t>features = 12</a:t>
-            </a:r>
+            <a:endParaRPr lang="en-US" dirty="0"/>
           </a:p>
           <a:p>
             <a:r>
@@ -13264,7 +12134,7 @@
 </p:sld>
 </file>
 
-<file path=ppt/slides/slide21.xml><?xml version="1.0" encoding="utf-8"?>
+<file path=ppt/slides/slide18.xml><?xml version="1.0" encoding="utf-8"?>
 <p:sld xmlns:a="http://schemas.openxmlformats.org/drawingml/2006/main" xmlns:r="http://schemas.openxmlformats.org/officeDocument/2006/relationships" xmlns:p="http://schemas.openxmlformats.org/presentationml/2006/main">
   <p:cSld>
     <p:spTree>
@@ -13306,7 +12176,7 @@
           <a:p>
             <a:r>
               <a:rPr lang="en-US" dirty="0"/>
-              <a:t>Model 5: </a:t>
+              <a:t>Model 4: Linear Regression 7 features</a:t>
             </a:r>
             <a:br>
               <a:rPr lang="en-US" dirty="0"/>
@@ -13364,7 +12234,7 @@
           <a:p>
             <a:r>
               <a:rPr lang="en-US" dirty="0"/>
-              <a:t>Linear Regression. Grid Search for </a:t>
+              <a:t>Grid Search for </a:t>
             </a:r>
             <a:r>
               <a:rPr lang="en-US" i="0" dirty="0">
@@ -13387,12 +12257,6 @@
                 <a:effectLst/>
               </a:rPr>
               <a:t> </a:t>
-            </a:r>
-          </a:p>
-          <a:p>
-            <a:r>
-              <a:rPr lang="en-US" dirty="0"/>
-              <a:t>features = 7</a:t>
             </a:r>
           </a:p>
           <a:p>
@@ -13817,7 +12681,565 @@
 </p:sld>
 </file>
 
-<file path=ppt/slides/slide22.xml><?xml version="1.0" encoding="utf-8"?>
+<file path=ppt/slides/slide19.xml><?xml version="1.0" encoding="utf-8"?>
+<p:sld xmlns:a="http://schemas.openxmlformats.org/drawingml/2006/main" xmlns:r="http://schemas.openxmlformats.org/officeDocument/2006/relationships" xmlns:p="http://schemas.openxmlformats.org/presentationml/2006/main">
+  <p:cSld>
+    <p:spTree>
+      <p:nvGrpSpPr>
+        <p:cNvPr id="1" name=""/>
+        <p:cNvGrpSpPr/>
+        <p:nvPr/>
+      </p:nvGrpSpPr>
+      <p:grpSpPr>
+        <a:xfrm>
+          <a:off x="0" y="0"/>
+          <a:ext cx="0" cy="0"/>
+          <a:chOff x="0" y="0"/>
+          <a:chExt cx="0" cy="0"/>
+        </a:xfrm>
+      </p:grpSpPr>
+      <p:sp>
+        <p:nvSpPr>
+          <p:cNvPr id="2" name="Title 1">
+            <a:extLst>
+              <a:ext uri="{FF2B5EF4-FFF2-40B4-BE49-F238E27FC236}">
+                <a16:creationId xmlns:a16="http://schemas.microsoft.com/office/drawing/2014/main" id="{FD191F6B-F789-9E84-7739-F5D8E1C65848}"/>
+              </a:ext>
+            </a:extLst>
+          </p:cNvPr>
+          <p:cNvSpPr>
+            <a:spLocks noGrp="1"/>
+          </p:cNvSpPr>
+          <p:nvPr>
+            <p:ph type="title"/>
+          </p:nvPr>
+        </p:nvSpPr>
+        <p:spPr/>
+        <p:txBody>
+          <a:bodyPr>
+            <a:normAutofit fontScale="90000"/>
+          </a:bodyPr>
+          <a:lstStyle/>
+          <a:p>
+            <a:r>
+              <a:rPr lang="en-US" dirty="0"/>
+              <a:t>Model 5: Gradient Boosted Trees Regression </a:t>
+            </a:r>
+            <a:br>
+              <a:rPr lang="en-US" dirty="0"/>
+            </a:br>
+            <a:r>
+              <a:rPr lang="en-US" dirty="0"/>
+              <a:t>12 features</a:t>
+            </a:r>
+          </a:p>
+        </p:txBody>
+      </p:sp>
+      <p:sp>
+        <p:nvSpPr>
+          <p:cNvPr id="3" name="Content Placeholder 2">
+            <a:extLst>
+              <a:ext uri="{FF2B5EF4-FFF2-40B4-BE49-F238E27FC236}">
+                <a16:creationId xmlns:a16="http://schemas.microsoft.com/office/drawing/2014/main" id="{D6FDE70B-7FB7-47EC-AB35-B3E5B144146A}"/>
+              </a:ext>
+            </a:extLst>
+          </p:cNvPr>
+          <p:cNvSpPr>
+            <a:spLocks noGrp="1"/>
+          </p:cNvSpPr>
+          <p:nvPr>
+            <p:ph idx="1"/>
+          </p:nvPr>
+        </p:nvSpPr>
+        <p:spPr/>
+        <p:txBody>
+          <a:bodyPr/>
+          <a:lstStyle/>
+          <a:p>
+            <a:r>
+              <a:rPr lang="en-US" dirty="0" err="1"/>
+              <a:t>minInstancesPerNode</a:t>
+            </a:r>
+            <a:r>
+              <a:rPr lang="en-US" dirty="0"/>
+              <a:t>=10, </a:t>
+            </a:r>
+            <a:r>
+              <a:rPr lang="en-US" dirty="0" err="1"/>
+              <a:t>minInfoGain</a:t>
+            </a:r>
+            <a:r>
+              <a:rPr lang="en-US" dirty="0"/>
+              <a:t>=0.1</a:t>
+            </a:r>
+          </a:p>
+          <a:p>
+            <a:r>
+              <a:rPr lang="en-US" dirty="0"/>
+              <a:t>r2 = 0.75,  </a:t>
+            </a:r>
+            <a:r>
+              <a:rPr lang="en-US" dirty="0" err="1"/>
+              <a:t>rootMeanSquareError</a:t>
+            </a:r>
+            <a:r>
+              <a:rPr lang="en-US" dirty="0"/>
+              <a:t> = 55,085</a:t>
+            </a:r>
+          </a:p>
+        </p:txBody>
+      </p:sp>
+      <p:graphicFrame>
+        <p:nvGraphicFramePr>
+          <p:cNvPr id="4" name="Table 3">
+            <a:extLst>
+              <a:ext uri="{FF2B5EF4-FFF2-40B4-BE49-F238E27FC236}">
+                <a16:creationId xmlns:a16="http://schemas.microsoft.com/office/drawing/2014/main" id="{64FBB0E7-B4BB-830C-76D6-B665E237526E}"/>
+              </a:ext>
+            </a:extLst>
+          </p:cNvPr>
+          <p:cNvGraphicFramePr>
+            <a:graphicFrameLocks noGrp="1"/>
+          </p:cNvGraphicFramePr>
+          <p:nvPr>
+            <p:extLst>
+              <p:ext uri="{D42A27DB-BD31-4B8C-83A1-F6EECF244321}">
+                <p14:modId xmlns:p14="http://schemas.microsoft.com/office/powerpoint/2010/main" val="4262280443"/>
+              </p:ext>
+            </p:extLst>
+          </p:nvPr>
+        </p:nvGraphicFramePr>
+        <p:xfrm>
+          <a:off x="2589212" y="3686182"/>
+          <a:ext cx="8127999" cy="2225040"/>
+        </p:xfrm>
+        <a:graphic>
+          <a:graphicData uri="http://schemas.openxmlformats.org/drawingml/2006/table">
+            <a:tbl>
+              <a:tblPr firstRow="1" bandRow="1">
+                <a:tableStyleId>{5C22544A-7EE6-4342-B048-85BDC9FD1C3A}</a:tableStyleId>
+              </a:tblPr>
+              <a:tblGrid>
+                <a:gridCol w="2709333">
+                  <a:extLst>
+                    <a:ext uri="{9D8B030D-6E8A-4147-A177-3AD203B41FA5}">
+                      <a16:colId xmlns:a16="http://schemas.microsoft.com/office/drawing/2014/main" val="2863262068"/>
+                    </a:ext>
+                  </a:extLst>
+                </a:gridCol>
+                <a:gridCol w="2709333">
+                  <a:extLst>
+                    <a:ext uri="{9D8B030D-6E8A-4147-A177-3AD203B41FA5}">
+                      <a16:colId xmlns:a16="http://schemas.microsoft.com/office/drawing/2014/main" val="414957515"/>
+                    </a:ext>
+                  </a:extLst>
+                </a:gridCol>
+                <a:gridCol w="2709333">
+                  <a:extLst>
+                    <a:ext uri="{9D8B030D-6E8A-4147-A177-3AD203B41FA5}">
+                      <a16:colId xmlns:a16="http://schemas.microsoft.com/office/drawing/2014/main" val="1019860192"/>
+                    </a:ext>
+                  </a:extLst>
+                </a:gridCol>
+              </a:tblGrid>
+              <a:tr h="370840">
+                <a:tc>
+                  <a:txBody>
+                    <a:bodyPr/>
+                    <a:lstStyle/>
+                    <a:p>
+                      <a:endParaRPr lang="en-US"/>
+                    </a:p>
+                  </a:txBody>
+                  <a:tcPr/>
+                </a:tc>
+                <a:tc>
+                  <a:txBody>
+                    <a:bodyPr/>
+                    <a:lstStyle/>
+                    <a:p>
+                      <a:r>
+                        <a:rPr lang="en-US" dirty="0" err="1"/>
+                        <a:t>median_house_value</a:t>
+                      </a:r>
+                      <a:endParaRPr lang="en-US" dirty="0"/>
+                    </a:p>
+                  </a:txBody>
+                  <a:tcPr/>
+                </a:tc>
+                <a:tc>
+                  <a:txBody>
+                    <a:bodyPr/>
+                    <a:lstStyle/>
+                    <a:p>
+                      <a:r>
+                        <a:rPr lang="en-US" dirty="0"/>
+                        <a:t>prediction</a:t>
+                      </a:r>
+                    </a:p>
+                  </a:txBody>
+                  <a:tcPr/>
+                </a:tc>
+                <a:extLst>
+                  <a:ext uri="{0D108BD9-81ED-4DB2-BD59-A6C34878D82A}">
+                    <a16:rowId xmlns:a16="http://schemas.microsoft.com/office/drawing/2014/main" val="1930068132"/>
+                  </a:ext>
+                </a:extLst>
+              </a:tr>
+              <a:tr h="370840">
+                <a:tc>
+                  <a:txBody>
+                    <a:bodyPr/>
+                    <a:lstStyle/>
+                    <a:p>
+                      <a:r>
+                        <a:rPr lang="en-US" dirty="0"/>
+                        <a:t>1</a:t>
+                      </a:r>
+                    </a:p>
+                  </a:txBody>
+                  <a:tcPr/>
+                </a:tc>
+                <a:tc>
+                  <a:txBody>
+                    <a:bodyPr/>
+                    <a:lstStyle/>
+                    <a:p>
+                      <a:r>
+                        <a:rPr lang="en-US" dirty="0"/>
+                        <a:t>94,600</a:t>
+                      </a:r>
+                    </a:p>
+                  </a:txBody>
+                  <a:tcPr/>
+                </a:tc>
+                <a:tc>
+                  <a:txBody>
+                    <a:bodyPr/>
+                    <a:lstStyle/>
+                    <a:p>
+                      <a:r>
+                        <a:rPr lang="en-US" dirty="0"/>
+                        <a:t>102,221</a:t>
+                      </a:r>
+                    </a:p>
+                  </a:txBody>
+                  <a:tcPr/>
+                </a:tc>
+                <a:extLst>
+                  <a:ext uri="{0D108BD9-81ED-4DB2-BD59-A6C34878D82A}">
+                    <a16:rowId xmlns:a16="http://schemas.microsoft.com/office/drawing/2014/main" val="2668402015"/>
+                  </a:ext>
+                </a:extLst>
+              </a:tr>
+              <a:tr h="370840">
+                <a:tc>
+                  <a:txBody>
+                    <a:bodyPr/>
+                    <a:lstStyle/>
+                    <a:p>
+                      <a:r>
+                        <a:rPr lang="en-US" dirty="0"/>
+                        <a:t>2</a:t>
+                      </a:r>
+                    </a:p>
+                  </a:txBody>
+                  <a:tcPr/>
+                </a:tc>
+                <a:tc>
+                  <a:txBody>
+                    <a:bodyPr/>
+                    <a:lstStyle/>
+                    <a:p>
+                      <a:r>
+                        <a:rPr lang="en-US" dirty="0"/>
+                        <a:t>85,800</a:t>
+                      </a:r>
+                    </a:p>
+                  </a:txBody>
+                  <a:tcPr/>
+                </a:tc>
+                <a:tc>
+                  <a:txBody>
+                    <a:bodyPr/>
+                    <a:lstStyle/>
+                    <a:p>
+                      <a:r>
+                        <a:rPr lang="en-US" dirty="0"/>
+                        <a:t>98,334</a:t>
+                      </a:r>
+                    </a:p>
+                  </a:txBody>
+                  <a:tcPr/>
+                </a:tc>
+                <a:extLst>
+                  <a:ext uri="{0D108BD9-81ED-4DB2-BD59-A6C34878D82A}">
+                    <a16:rowId xmlns:a16="http://schemas.microsoft.com/office/drawing/2014/main" val="2049508619"/>
+                  </a:ext>
+                </a:extLst>
+              </a:tr>
+              <a:tr h="370840">
+                <a:tc>
+                  <a:txBody>
+                    <a:bodyPr/>
+                    <a:lstStyle/>
+                    <a:p>
+                      <a:r>
+                        <a:rPr lang="en-US" dirty="0"/>
+                        <a:t>3</a:t>
+                      </a:r>
+                    </a:p>
+                  </a:txBody>
+                  <a:tcPr/>
+                </a:tc>
+                <a:tc>
+                  <a:txBody>
+                    <a:bodyPr/>
+                    <a:lstStyle/>
+                    <a:p>
+                      <a:r>
+                        <a:rPr lang="en-US" dirty="0"/>
+                        <a:t>103,600</a:t>
+                      </a:r>
+                    </a:p>
+                  </a:txBody>
+                  <a:tcPr/>
+                </a:tc>
+                <a:tc>
+                  <a:txBody>
+                    <a:bodyPr/>
+                    <a:lstStyle/>
+                    <a:p>
+                      <a:r>
+                        <a:rPr lang="en-US" dirty="0"/>
+                        <a:t>118,546</a:t>
+                      </a:r>
+                    </a:p>
+                  </a:txBody>
+                  <a:tcPr/>
+                </a:tc>
+                <a:extLst>
+                  <a:ext uri="{0D108BD9-81ED-4DB2-BD59-A6C34878D82A}">
+                    <a16:rowId xmlns:a16="http://schemas.microsoft.com/office/drawing/2014/main" val="3576309454"/>
+                  </a:ext>
+                </a:extLst>
+              </a:tr>
+              <a:tr h="370840">
+                <a:tc>
+                  <a:txBody>
+                    <a:bodyPr/>
+                    <a:lstStyle/>
+                    <a:p>
+                      <a:r>
+                        <a:rPr lang="en-US" dirty="0"/>
+                        <a:t>4</a:t>
+                      </a:r>
+                    </a:p>
+                  </a:txBody>
+                  <a:tcPr/>
+                </a:tc>
+                <a:tc>
+                  <a:txBody>
+                    <a:bodyPr/>
+                    <a:lstStyle/>
+                    <a:p>
+                      <a:r>
+                        <a:rPr lang="en-US" dirty="0"/>
+                        <a:t>111,400</a:t>
+                      </a:r>
+                    </a:p>
+                  </a:txBody>
+                  <a:tcPr/>
+                </a:tc>
+                <a:tc>
+                  <a:txBody>
+                    <a:bodyPr/>
+                    <a:lstStyle/>
+                    <a:p>
+                      <a:r>
+                        <a:rPr lang="en-US" dirty="0"/>
+                        <a:t>87,536</a:t>
+                      </a:r>
+                    </a:p>
+                  </a:txBody>
+                  <a:tcPr/>
+                </a:tc>
+                <a:extLst>
+                  <a:ext uri="{0D108BD9-81ED-4DB2-BD59-A6C34878D82A}">
+                    <a16:rowId xmlns:a16="http://schemas.microsoft.com/office/drawing/2014/main" val="2177360865"/>
+                  </a:ext>
+                </a:extLst>
+              </a:tr>
+              <a:tr h="370840">
+                <a:tc>
+                  <a:txBody>
+                    <a:bodyPr/>
+                    <a:lstStyle/>
+                    <a:p>
+                      <a:r>
+                        <a:rPr lang="en-US" dirty="0"/>
+                        <a:t>5</a:t>
+                      </a:r>
+                    </a:p>
+                  </a:txBody>
+                  <a:tcPr/>
+                </a:tc>
+                <a:tc>
+                  <a:txBody>
+                    <a:bodyPr/>
+                    <a:lstStyle/>
+                    <a:p>
+                      <a:r>
+                        <a:rPr lang="en-US" dirty="0"/>
+                        <a:t>78,300</a:t>
+                      </a:r>
+                    </a:p>
+                  </a:txBody>
+                  <a:tcPr/>
+                </a:tc>
+                <a:tc>
+                  <a:txBody>
+                    <a:bodyPr/>
+                    <a:lstStyle/>
+                    <a:p>
+                      <a:r>
+                        <a:rPr lang="en-US" dirty="0"/>
+                        <a:t>118,993</a:t>
+                      </a:r>
+                    </a:p>
+                  </a:txBody>
+                  <a:tcPr/>
+                </a:tc>
+                <a:extLst>
+                  <a:ext uri="{0D108BD9-81ED-4DB2-BD59-A6C34878D82A}">
+                    <a16:rowId xmlns:a16="http://schemas.microsoft.com/office/drawing/2014/main" val="2511182592"/>
+                  </a:ext>
+                </a:extLst>
+              </a:tr>
+            </a:tbl>
+          </a:graphicData>
+        </a:graphic>
+      </p:graphicFrame>
+    </p:spTree>
+    <p:extLst>
+      <p:ext uri="{BB962C8B-B14F-4D97-AF65-F5344CB8AC3E}">
+        <p14:creationId xmlns:p14="http://schemas.microsoft.com/office/powerpoint/2010/main" val="1417662537"/>
+      </p:ext>
+    </p:extLst>
+  </p:cSld>
+  <p:clrMapOvr>
+    <a:masterClrMapping/>
+  </p:clrMapOvr>
+</p:sld>
+</file>
+
+<file path=ppt/slides/slide2.xml><?xml version="1.0" encoding="utf-8"?>
+<p:sld xmlns:a="http://schemas.openxmlformats.org/drawingml/2006/main" xmlns:r="http://schemas.openxmlformats.org/officeDocument/2006/relationships" xmlns:p="http://schemas.openxmlformats.org/presentationml/2006/main">
+  <p:cSld>
+    <p:spTree>
+      <p:nvGrpSpPr>
+        <p:cNvPr id="1" name=""/>
+        <p:cNvGrpSpPr/>
+        <p:nvPr/>
+      </p:nvGrpSpPr>
+      <p:grpSpPr>
+        <a:xfrm>
+          <a:off x="0" y="0"/>
+          <a:ext cx="0" cy="0"/>
+          <a:chOff x="0" y="0"/>
+          <a:chExt cx="0" cy="0"/>
+        </a:xfrm>
+      </p:grpSpPr>
+      <p:sp>
+        <p:nvSpPr>
+          <p:cNvPr id="2" name="Title 1">
+            <a:extLst>
+              <a:ext uri="{FF2B5EF4-FFF2-40B4-BE49-F238E27FC236}">
+                <a16:creationId xmlns:a16="http://schemas.microsoft.com/office/drawing/2014/main" id="{3B999978-E3FD-4687-B6EC-3499A03596E9}"/>
+              </a:ext>
+            </a:extLst>
+          </p:cNvPr>
+          <p:cNvSpPr>
+            <a:spLocks noGrp="1"/>
+          </p:cNvSpPr>
+          <p:nvPr>
+            <p:ph type="title"/>
+          </p:nvPr>
+        </p:nvSpPr>
+        <p:spPr/>
+        <p:txBody>
+          <a:bodyPr/>
+          <a:lstStyle/>
+          <a:p>
+            <a:r>
+              <a:rPr lang="en-US" dirty="0"/>
+              <a:t>Introduction</a:t>
+            </a:r>
+          </a:p>
+        </p:txBody>
+      </p:sp>
+      <p:sp>
+        <p:nvSpPr>
+          <p:cNvPr id="3" name="Content Placeholder 2">
+            <a:extLst>
+              <a:ext uri="{FF2B5EF4-FFF2-40B4-BE49-F238E27FC236}">
+                <a16:creationId xmlns:a16="http://schemas.microsoft.com/office/drawing/2014/main" id="{4FE6F619-7C9E-4F79-8B72-10BEF1EA47B0}"/>
+              </a:ext>
+            </a:extLst>
+          </p:cNvPr>
+          <p:cNvSpPr>
+            <a:spLocks noGrp="1"/>
+          </p:cNvSpPr>
+          <p:nvPr>
+            <p:ph idx="1"/>
+          </p:nvPr>
+        </p:nvSpPr>
+        <p:spPr/>
+        <p:txBody>
+          <a:bodyPr>
+            <a:normAutofit/>
+          </a:bodyPr>
+          <a:lstStyle/>
+          <a:p>
+            <a:r>
+              <a:rPr lang="en-US" dirty="0"/>
+              <a:t>Being able to predict housing price is very important to real estate investors</a:t>
+            </a:r>
+          </a:p>
+          <a:p>
+            <a:r>
+              <a:rPr lang="en-US" dirty="0"/>
+              <a:t>With the information, investors can decide whether there is a buying or selling opportunity.</a:t>
+            </a:r>
+          </a:p>
+          <a:p>
+            <a:r>
+              <a:rPr lang="en-US" dirty="0"/>
+              <a:t>This project builds regression models to predict housing price with given metrics.</a:t>
+            </a:r>
+          </a:p>
+          <a:p>
+            <a:pPr marL="0" indent="0">
+              <a:buNone/>
+            </a:pPr>
+            <a:endParaRPr lang="en-US" dirty="0"/>
+          </a:p>
+        </p:txBody>
+      </p:sp>
+    </p:spTree>
+    <p:extLst>
+      <p:ext uri="{BB962C8B-B14F-4D97-AF65-F5344CB8AC3E}">
+        <p14:creationId xmlns:p14="http://schemas.microsoft.com/office/powerpoint/2010/main" val="737009138"/>
+      </p:ext>
+    </p:extLst>
+  </p:cSld>
+  <p:clrMapOvr>
+    <a:masterClrMapping/>
+  </p:clrMapOvr>
+</p:sld>
+</file>
+
+<file path=ppt/slides/slide20.xml><?xml version="1.0" encoding="utf-8"?>
 <p:sld xmlns:a="http://schemas.openxmlformats.org/drawingml/2006/main" xmlns:r="http://schemas.openxmlformats.org/officeDocument/2006/relationships" xmlns:p="http://schemas.openxmlformats.org/presentationml/2006/main">
   <p:cSld>
     <p:spTree>
@@ -13852,19 +13274,21 @@
         </p:nvSpPr>
         <p:spPr/>
         <p:txBody>
-          <a:bodyPr/>
+          <a:bodyPr>
+            <a:normAutofit fontScale="90000"/>
+          </a:bodyPr>
           <a:lstStyle/>
           <a:p>
             <a:r>
               <a:rPr lang="en-US" dirty="0"/>
-              <a:t>Model 6: </a:t>
+              <a:t>Model 6: Gradient Boosted Trees Regression</a:t>
             </a:r>
             <a:br>
               <a:rPr lang="en-US" dirty="0"/>
             </a:br>
             <a:r>
               <a:rPr lang="en-US" dirty="0"/>
-              <a:t>Use Top 7 Features </a:t>
+              <a:t>7 Features </a:t>
             </a:r>
           </a:p>
         </p:txBody>
@@ -13889,12 +13313,6 @@
         <p:txBody>
           <a:bodyPr/>
           <a:lstStyle/>
-          <a:p>
-            <a:r>
-              <a:rPr lang="en-US" dirty="0"/>
-              <a:t>Gradient Boosted Trees Regression</a:t>
-            </a:r>
-          </a:p>
           <a:p>
             <a:r>
               <a:rPr lang="en-US" dirty="0" err="1"/>
@@ -14306,7 +13724,7 @@
 </p:sld>
 </file>
 
-<file path=ppt/slides/slide23.xml><?xml version="1.0" encoding="utf-8"?>
+<file path=ppt/slides/slide21.xml><?xml version="1.0" encoding="utf-8"?>
 <p:sld xmlns:a="http://schemas.openxmlformats.org/drawingml/2006/main" xmlns:r="http://schemas.openxmlformats.org/officeDocument/2006/relationships" xmlns:p="http://schemas.openxmlformats.org/presentationml/2006/main">
   <p:cSld>
     <p:spTree>
@@ -15417,7 +14835,7 @@
 </p:sld>
 </file>
 
-<file path=ppt/slides/slide24.xml><?xml version="1.0" encoding="utf-8"?>
+<file path=ppt/slides/slide22.xml><?xml version="1.0" encoding="utf-8"?>
 <p:sld xmlns:a="http://schemas.openxmlformats.org/drawingml/2006/main" xmlns:r="http://schemas.openxmlformats.org/officeDocument/2006/relationships" xmlns:p="http://schemas.openxmlformats.org/presentationml/2006/main">
   <p:cSld>
     <p:spTree>
@@ -15525,18 +14943,15 @@
               <a:rPr lang="en-US" i="0" dirty="0">
                 <a:effectLst/>
               </a:rPr>
-              <a:t> has </a:t>
+              <a:t> has slight</a:t>
             </a:r>
             <a:r>
               <a:rPr lang="en-US" dirty="0"/>
-              <a:t>little</a:t>
-            </a:r>
-            <a:r>
-              <a:rPr lang="en-US" i="0" dirty="0">
-                <a:effectLst/>
-              </a:rPr>
               <a:t> effect</a:t>
             </a:r>
+            <a:endParaRPr lang="en-US" i="0" dirty="0">
+              <a:effectLst/>
+            </a:endParaRPr>
           </a:p>
           <a:p>
             <a:r>
@@ -15559,7 +14974,7 @@
 </p:sld>
 </file>
 
-<file path=ppt/slides/slide25.xml><?xml version="1.0" encoding="utf-8"?>
+<file path=ppt/slides/slide23.xml><?xml version="1.0" encoding="utf-8"?>
 <p:sld xmlns:a="http://schemas.openxmlformats.org/drawingml/2006/main" xmlns:r="http://schemas.openxmlformats.org/officeDocument/2006/relationships" xmlns:p="http://schemas.openxmlformats.org/presentationml/2006/main">
   <p:cSld>
     <p:spTree>
@@ -15850,12 +15265,6 @@
             </a:r>
           </a:p>
           <a:p>
-            <a:r>
-              <a:rPr lang="en-US" dirty="0"/>
-              <a:t>Descriptive statistics</a:t>
-            </a:r>
-          </a:p>
-          <a:p>
             <a:endParaRPr lang="en-US" dirty="0"/>
           </a:p>
         </p:txBody>
@@ -15875,14 +15284,14 @@
           <p:nvPr>
             <p:extLst>
               <p:ext uri="{D42A27DB-BD31-4B8C-83A1-F6EECF244321}">
-                <p14:modId xmlns:p14="http://schemas.microsoft.com/office/powerpoint/2010/main" val="179686348"/>
+                <p14:modId xmlns:p14="http://schemas.microsoft.com/office/powerpoint/2010/main" val="1791167600"/>
               </p:ext>
             </p:extLst>
           </p:nvPr>
         </p:nvGraphicFramePr>
         <p:xfrm>
           <a:off x="671803" y="2955482"/>
-          <a:ext cx="11122090" cy="3053530"/>
+          <a:ext cx="11122090" cy="2680568"/>
         </p:xfrm>
         <a:graphic>
           <a:graphicData uri="http://schemas.openxmlformats.org/drawingml/2006/table">
@@ -16112,143 +15521,6 @@
                     <a:p>
                       <a:r>
                         <a:rPr lang="en-US" dirty="0"/>
-                        <a:t>count</a:t>
-                      </a:r>
-                    </a:p>
-                  </a:txBody>
-                  <a:tcPr/>
-                </a:tc>
-                <a:tc>
-                  <a:txBody>
-                    <a:bodyPr/>
-                    <a:lstStyle/>
-                    <a:p>
-                      <a:r>
-                        <a:rPr lang="en-US" dirty="0"/>
-                        <a:t>20,640</a:t>
-                      </a:r>
-                    </a:p>
-                  </a:txBody>
-                  <a:tcPr/>
-                </a:tc>
-                <a:tc>
-                  <a:txBody>
-                    <a:bodyPr/>
-                    <a:lstStyle/>
-                    <a:p>
-                      <a:r>
-                        <a:rPr lang="en-US" dirty="0"/>
-                        <a:t>20,640</a:t>
-                      </a:r>
-                    </a:p>
-                  </a:txBody>
-                  <a:tcPr/>
-                </a:tc>
-                <a:tc>
-                  <a:txBody>
-                    <a:bodyPr/>
-                    <a:lstStyle/>
-                    <a:p>
-                      <a:r>
-                        <a:rPr lang="en-US" dirty="0"/>
-                        <a:t>20,640</a:t>
-                      </a:r>
-                    </a:p>
-                  </a:txBody>
-                  <a:tcPr/>
-                </a:tc>
-                <a:tc>
-                  <a:txBody>
-                    <a:bodyPr/>
-                    <a:lstStyle/>
-                    <a:p>
-                      <a:r>
-                        <a:rPr lang="en-US" dirty="0"/>
-                        <a:t>20,640</a:t>
-                      </a:r>
-                    </a:p>
-                  </a:txBody>
-                  <a:tcPr/>
-                </a:tc>
-                <a:tc>
-                  <a:txBody>
-                    <a:bodyPr/>
-                    <a:lstStyle/>
-                    <a:p>
-                      <a:r>
-                        <a:rPr lang="en-US" dirty="0"/>
-                        <a:t>20,640</a:t>
-                      </a:r>
-                    </a:p>
-                  </a:txBody>
-                  <a:tcPr/>
-                </a:tc>
-                <a:tc>
-                  <a:txBody>
-                    <a:bodyPr/>
-                    <a:lstStyle/>
-                    <a:p>
-                      <a:r>
-                        <a:rPr lang="en-US" dirty="0"/>
-                        <a:t>20,640</a:t>
-                      </a:r>
-                    </a:p>
-                  </a:txBody>
-                  <a:tcPr/>
-                </a:tc>
-                <a:tc>
-                  <a:txBody>
-                    <a:bodyPr/>
-                    <a:lstStyle/>
-                    <a:p>
-                      <a:r>
-                        <a:rPr lang="en-US" dirty="0"/>
-                        <a:t>20,640</a:t>
-                      </a:r>
-                    </a:p>
-                  </a:txBody>
-                  <a:tcPr/>
-                </a:tc>
-                <a:tc>
-                  <a:txBody>
-                    <a:bodyPr/>
-                    <a:lstStyle/>
-                    <a:p>
-                      <a:r>
-                        <a:rPr lang="en-US" dirty="0"/>
-                        <a:t>20,640</a:t>
-                      </a:r>
-                    </a:p>
-                  </a:txBody>
-                  <a:tcPr/>
-                </a:tc>
-                <a:tc>
-                  <a:txBody>
-                    <a:bodyPr/>
-                    <a:lstStyle/>
-                    <a:p>
-                      <a:r>
-                        <a:rPr lang="en-US" dirty="0"/>
-                        <a:t>20,640</a:t>
-                      </a:r>
-                    </a:p>
-                  </a:txBody>
-                  <a:tcPr/>
-                </a:tc>
-                <a:extLst>
-                  <a:ext uri="{0D108BD9-81ED-4DB2-BD59-A6C34878D82A}">
-                    <a16:rowId xmlns:a16="http://schemas.microsoft.com/office/drawing/2014/main" val="1655624304"/>
-                  </a:ext>
-                </a:extLst>
-              </a:tr>
-              <a:tr h="372962">
-                <a:tc>
-                  <a:txBody>
-                    <a:bodyPr/>
-                    <a:lstStyle/>
-                    <a:p>
-                      <a:r>
-                        <a:rPr lang="en-US" dirty="0"/>
                         <a:t>mean</a:t>
                       </a:r>
                     </a:p>
@@ -16915,12 +16187,23 @@
             <a:endParaRPr lang="en-US" dirty="0"/>
           </a:p>
           <a:p>
-            <a:pPr marL="0" indent="0">
-              <a:buNone/>
+            <a:pPr>
+              <a:buFont typeface="Wingdings" panose="05000000000000000000" pitchFamily="2" charset="2"/>
+              <a:buChar char="Ø"/>
             </a:pPr>
             <a:r>
               <a:rPr lang="en-US" dirty="0"/>
               <a:t>The distributions are bimodal</a:t>
+            </a:r>
+          </a:p>
+          <a:p>
+            <a:pPr>
+              <a:buFont typeface="Wingdings" panose="05000000000000000000" pitchFamily="2" charset="2"/>
+              <a:buChar char="Ø"/>
+            </a:pPr>
+            <a:r>
+              <a:rPr lang="en-US" dirty="0"/>
+              <a:t> Corresponds to two large cities: Los Angeles and San Francisco</a:t>
             </a:r>
           </a:p>
           <a:p>
@@ -17144,7 +16427,7 @@
         <p:spPr>
           <a:xfrm>
             <a:off x="1016000" y="5425440"/>
-            <a:ext cx="9056284" cy="369332"/>
+            <a:ext cx="9056284" cy="646331"/>
           </a:xfrm>
           <a:prstGeom prst="rect">
             <a:avLst/>
@@ -17157,9 +16440,23 @@
           </a:bodyPr>
           <a:lstStyle/>
           <a:p>
+            <a:pPr marL="285750" indent="-285750">
+              <a:buFont typeface="Wingdings" panose="05000000000000000000" pitchFamily="2" charset="2"/>
+              <a:buChar char="Ø"/>
+            </a:pPr>
             <a:r>
               <a:rPr lang="en-US" dirty="0"/>
-              <a:t>The distributions are normal but skewed to the right</a:t>
+              <a:t>Distributions are normal but skewed to the right </a:t>
+            </a:r>
+          </a:p>
+          <a:p>
+            <a:pPr marL="285750" indent="-285750">
+              <a:buFont typeface="Wingdings" panose="05000000000000000000" pitchFamily="2" charset="2"/>
+              <a:buChar char="Ø"/>
+            </a:pPr>
+            <a:r>
+              <a:rPr lang="en-US" dirty="0"/>
+              <a:t>There may be outliers</a:t>
             </a:r>
           </a:p>
         </p:txBody>
@@ -17308,7 +16605,7 @@
         <p:spPr>
           <a:xfrm>
             <a:off x="1111180" y="5547360"/>
-            <a:ext cx="8869680" cy="369332"/>
+            <a:ext cx="8869680" cy="646331"/>
           </a:xfrm>
           <a:prstGeom prst="rect">
             <a:avLst/>
@@ -17321,9 +16618,23 @@
           </a:bodyPr>
           <a:lstStyle/>
           <a:p>
+            <a:pPr marL="285750" indent="-285750">
+              <a:buFont typeface="Wingdings" panose="05000000000000000000" pitchFamily="2" charset="2"/>
+              <a:buChar char="Ø"/>
+            </a:pPr>
             <a:r>
               <a:rPr lang="en-US" dirty="0"/>
               <a:t>The distributions are normal but skewed to the right</a:t>
+            </a:r>
+          </a:p>
+          <a:p>
+            <a:pPr marL="285750" indent="-285750">
+              <a:buFont typeface="Wingdings" panose="05000000000000000000" pitchFamily="2" charset="2"/>
+              <a:buChar char="Ø"/>
+            </a:pPr>
+            <a:r>
+              <a:rPr lang="en-US" dirty="0"/>
+              <a:t>There may be outliers</a:t>
             </a:r>
           </a:p>
         </p:txBody>
@@ -17485,12 +16796,20 @@
           </a:bodyPr>
           <a:lstStyle/>
           <a:p>
+            <a:pPr marL="285750" indent="-285750">
+              <a:buFont typeface="Wingdings" panose="05000000000000000000" pitchFamily="2" charset="2"/>
+              <a:buChar char="Ø"/>
+            </a:pPr>
             <a:r>
               <a:rPr lang="en-US" dirty="0"/>
               <a:t>The housing median age distribute is not normal. </a:t>
             </a:r>
           </a:p>
           <a:p>
+            <a:pPr marL="285750" indent="-285750">
+              <a:buFont typeface="Wingdings" panose="05000000000000000000" pitchFamily="2" charset="2"/>
+              <a:buChar char="Ø"/>
+            </a:pPr>
             <a:r>
               <a:rPr lang="en-US" dirty="0"/>
               <a:t>The median income distribution is normal</a:t>
@@ -17619,7 +16938,7 @@
         </p:blipFill>
         <p:spPr>
           <a:xfrm>
-            <a:off x="698743" y="2185520"/>
+            <a:off x="788365" y="2095318"/>
             <a:ext cx="5070842" cy="3048030"/>
           </a:xfrm>
           <a:prstGeom prst="rect">
@@ -17641,8 +16960,8 @@
         </p:nvSpPr>
         <p:spPr>
           <a:xfrm>
-            <a:off x="830823" y="5333666"/>
-            <a:ext cx="6137578" cy="646331"/>
+            <a:off x="1317520" y="5438201"/>
+            <a:ext cx="7415813" cy="646331"/>
           </a:xfrm>
           <a:prstGeom prst="rect">
             <a:avLst/>
@@ -17655,12 +16974,20 @@
           </a:bodyPr>
           <a:lstStyle/>
           <a:p>
+            <a:pPr marL="285750" indent="-285750">
+              <a:buFont typeface="Wingdings" panose="05000000000000000000" pitchFamily="2" charset="2"/>
+              <a:buChar char="Ø"/>
+            </a:pPr>
             <a:r>
               <a:rPr lang="en-US" dirty="0"/>
               <a:t>Majority of districts are either 1 hour from ocean or inland.</a:t>
             </a:r>
           </a:p>
           <a:p>
+            <a:pPr marL="285750" indent="-285750">
+              <a:buFont typeface="Wingdings" panose="05000000000000000000" pitchFamily="2" charset="2"/>
+              <a:buChar char="Ø"/>
+            </a:pPr>
             <a:r>
               <a:rPr lang="en-US" dirty="0"/>
               <a:t>Median house value is normal except the peak in the far right.</a:t>
